--- a/Online Restaurant.pptx
+++ b/Online Restaurant.pptx
@@ -7,8 +7,8 @@
   <p:sldIdLst>
     <p:sldId id="257" r:id="rId2"/>
     <p:sldId id="265" r:id="rId3"/>
-    <p:sldId id="267" r:id="rId4"/>
-    <p:sldId id="266" r:id="rId5"/>
+    <p:sldId id="266" r:id="rId4"/>
+    <p:sldId id="267" r:id="rId5"/>
     <p:sldId id="268" r:id="rId6"/>
     <p:sldId id="271" r:id="rId7"/>
     <p:sldId id="278" r:id="rId8"/>
@@ -271,11 +271,6 @@
                 </a:outerShdw>
               </a:effectLst>
             </c:spPr>
-            <c:extLst>
-              <c:ext xmlns:c16="http://schemas.microsoft.com/office/drawing/2014/chart" uri="{C3380CC4-5D6E-409C-BE32-E72D297353CC}">
-                <c16:uniqueId val="{00000001-9EB1-4547-B62F-2D9C8EFC7515}"/>
-              </c:ext>
-            </c:extLst>
           </c:dPt>
           <c:dPt>
             <c:idx val="1"/>
@@ -318,11 +313,6 @@
                 </a:outerShdw>
               </a:effectLst>
             </c:spPr>
-            <c:extLst>
-              <c:ext xmlns:c16="http://schemas.microsoft.com/office/drawing/2014/chart" uri="{C3380CC4-5D6E-409C-BE32-E72D297353CC}">
-                <c16:uniqueId val="{00000003-9EB1-4547-B62F-2D9C8EFC7515}"/>
-              </c:ext>
-            </c:extLst>
           </c:dPt>
           <c:dPt>
             <c:idx val="2"/>
@@ -365,11 +355,6 @@
                 </a:outerShdw>
               </a:effectLst>
             </c:spPr>
-            <c:extLst>
-              <c:ext xmlns:c16="http://schemas.microsoft.com/office/drawing/2014/chart" uri="{C3380CC4-5D6E-409C-BE32-E72D297353CC}">
-                <c16:uniqueId val="{00000005-9EB1-4547-B62F-2D9C8EFC7515}"/>
-              </c:ext>
-            </c:extLst>
           </c:dPt>
           <c:dPt>
             <c:idx val="3"/>
@@ -412,11 +397,6 @@
                 </a:outerShdw>
               </a:effectLst>
             </c:spPr>
-            <c:extLst>
-              <c:ext xmlns:c16="http://schemas.microsoft.com/office/drawing/2014/chart" uri="{C3380CC4-5D6E-409C-BE32-E72D297353CC}">
-                <c16:uniqueId val="{00000007-9EB1-4547-B62F-2D9C8EFC7515}"/>
-              </c:ext>
-            </c:extLst>
           </c:dPt>
           <c:dPt>
             <c:idx val="4"/>
@@ -459,11 +439,6 @@
                 </a:outerShdw>
               </a:effectLst>
             </c:spPr>
-            <c:extLst>
-              <c:ext xmlns:c16="http://schemas.microsoft.com/office/drawing/2014/chart" uri="{C3380CC4-5D6E-409C-BE32-E72D297353CC}">
-                <c16:uniqueId val="{00000009-9EB1-4547-B62F-2D9C8EFC7515}"/>
-              </c:ext>
-            </c:extLst>
           </c:dPt>
           <c:dPt>
             <c:idx val="5"/>
@@ -506,11 +481,6 @@
                 </a:outerShdw>
               </a:effectLst>
             </c:spPr>
-            <c:extLst>
-              <c:ext xmlns:c16="http://schemas.microsoft.com/office/drawing/2014/chart" uri="{C3380CC4-5D6E-409C-BE32-E72D297353CC}">
-                <c16:uniqueId val="{0000000B-9EB1-4547-B62F-2D9C8EFC7515}"/>
-              </c:ext>
-            </c:extLst>
           </c:dPt>
           <c:dPt>
             <c:idx val="6"/>
@@ -556,11 +526,6 @@
                 </a:outerShdw>
               </a:effectLst>
             </c:spPr>
-            <c:extLst>
-              <c:ext xmlns:c16="http://schemas.microsoft.com/office/drawing/2014/chart" uri="{C3380CC4-5D6E-409C-BE32-E72D297353CC}">
-                <c16:uniqueId val="{0000000D-9EB1-4547-B62F-2D9C8EFC7515}"/>
-              </c:ext>
-            </c:extLst>
           </c:dPt>
           <c:dPt>
             <c:idx val="7"/>
@@ -606,11 +571,6 @@
                 </a:outerShdw>
               </a:effectLst>
             </c:spPr>
-            <c:extLst>
-              <c:ext xmlns:c16="http://schemas.microsoft.com/office/drawing/2014/chart" uri="{C3380CC4-5D6E-409C-BE32-E72D297353CC}">
-                <c16:uniqueId val="{0000000F-9EB1-4547-B62F-2D9C8EFC7515}"/>
-              </c:ext>
-            </c:extLst>
           </c:dPt>
           <c:dPt>
             <c:idx val="8"/>
@@ -656,11 +616,6 @@
                 </a:outerShdw>
               </a:effectLst>
             </c:spPr>
-            <c:extLst>
-              <c:ext xmlns:c16="http://schemas.microsoft.com/office/drawing/2014/chart" uri="{C3380CC4-5D6E-409C-BE32-E72D297353CC}">
-                <c16:uniqueId val="{00000011-9EB1-4547-B62F-2D9C8EFC7515}"/>
-              </c:ext>
-            </c:extLst>
           </c:dPt>
           <c:dPt>
             <c:idx val="9"/>
@@ -706,11 +661,6 @@
                 </a:outerShdw>
               </a:effectLst>
             </c:spPr>
-            <c:extLst>
-              <c:ext xmlns:c16="http://schemas.microsoft.com/office/drawing/2014/chart" uri="{C3380CC4-5D6E-409C-BE32-E72D297353CC}">
-                <c16:uniqueId val="{00000013-9EB1-4547-B62F-2D9C8EFC7515}"/>
-              </c:ext>
-            </c:extLst>
           </c:dPt>
           <c:dPt>
             <c:idx val="10"/>
@@ -756,11 +706,6 @@
                 </a:outerShdw>
               </a:effectLst>
             </c:spPr>
-            <c:extLst>
-              <c:ext xmlns:c16="http://schemas.microsoft.com/office/drawing/2014/chart" uri="{C3380CC4-5D6E-409C-BE32-E72D297353CC}">
-                <c16:uniqueId val="{00000015-9EB1-4547-B62F-2D9C8EFC7515}"/>
-              </c:ext>
-            </c:extLst>
           </c:dPt>
           <c:dPt>
             <c:idx val="11"/>
@@ -806,11 +751,6 @@
                 </a:outerShdw>
               </a:effectLst>
             </c:spPr>
-            <c:extLst>
-              <c:ext xmlns:c16="http://schemas.microsoft.com/office/drawing/2014/chart" uri="{C3380CC4-5D6E-409C-BE32-E72D297353CC}">
-                <c16:uniqueId val="{00000017-9EB1-4547-B62F-2D9C8EFC7515}"/>
-              </c:ext>
-            </c:extLst>
           </c:dPt>
           <c:dPt>
             <c:idx val="12"/>
@@ -859,11 +799,6 @@
                 </a:outerShdw>
               </a:effectLst>
             </c:spPr>
-            <c:extLst>
-              <c:ext xmlns:c16="http://schemas.microsoft.com/office/drawing/2014/chart" uri="{C3380CC4-5D6E-409C-BE32-E72D297353CC}">
-                <c16:uniqueId val="{00000019-9EB1-4547-B62F-2D9C8EFC7515}"/>
-              </c:ext>
-            </c:extLst>
           </c:dPt>
           <c:dPt>
             <c:idx val="13"/>
@@ -912,11 +847,6 @@
                 </a:outerShdw>
               </a:effectLst>
             </c:spPr>
-            <c:extLst>
-              <c:ext xmlns:c16="http://schemas.microsoft.com/office/drawing/2014/chart" uri="{C3380CC4-5D6E-409C-BE32-E72D297353CC}">
-                <c16:uniqueId val="{0000001B-9EB1-4547-B62F-2D9C8EFC7515}"/>
-              </c:ext>
-            </c:extLst>
           </c:dPt>
           <c:dPt>
             <c:idx val="14"/>
@@ -965,11 +895,6 @@
                 </a:outerShdw>
               </a:effectLst>
             </c:spPr>
-            <c:extLst>
-              <c:ext xmlns:c16="http://schemas.microsoft.com/office/drawing/2014/chart" uri="{C3380CC4-5D6E-409C-BE32-E72D297353CC}">
-                <c16:uniqueId val="{0000001D-9EB1-4547-B62F-2D9C8EFC7515}"/>
-              </c:ext>
-            </c:extLst>
           </c:dPt>
           <c:dPt>
             <c:idx val="15"/>
@@ -1018,11 +943,6 @@
                 </a:outerShdw>
               </a:effectLst>
             </c:spPr>
-            <c:extLst>
-              <c:ext xmlns:c16="http://schemas.microsoft.com/office/drawing/2014/chart" uri="{C3380CC4-5D6E-409C-BE32-E72D297353CC}">
-                <c16:uniqueId val="{0000001F-9EB1-4547-B62F-2D9C8EFC7515}"/>
-              </c:ext>
-            </c:extLst>
           </c:dPt>
           <c:dPt>
             <c:idx val="16"/>
@@ -1071,11 +991,6 @@
                 </a:outerShdw>
               </a:effectLst>
             </c:spPr>
-            <c:extLst>
-              <c:ext xmlns:c16="http://schemas.microsoft.com/office/drawing/2014/chart" uri="{C3380CC4-5D6E-409C-BE32-E72D297353CC}">
-                <c16:uniqueId val="{00000021-9EB1-4547-B62F-2D9C8EFC7515}"/>
-              </c:ext>
-            </c:extLst>
           </c:dPt>
           <c:dPt>
             <c:idx val="17"/>
@@ -1124,11 +1039,6 @@
                 </a:outerShdw>
               </a:effectLst>
             </c:spPr>
-            <c:extLst>
-              <c:ext xmlns:c16="http://schemas.microsoft.com/office/drawing/2014/chart" uri="{C3380CC4-5D6E-409C-BE32-E72D297353CC}">
-                <c16:uniqueId val="{00000023-9EB1-4547-B62F-2D9C8EFC7515}"/>
-              </c:ext>
-            </c:extLst>
           </c:dPt>
           <c:dPt>
             <c:idx val="18"/>
@@ -1174,11 +1084,6 @@
                 </a:outerShdw>
               </a:effectLst>
             </c:spPr>
-            <c:extLst>
-              <c:ext xmlns:c16="http://schemas.microsoft.com/office/drawing/2014/chart" uri="{C3380CC4-5D6E-409C-BE32-E72D297353CC}">
-                <c16:uniqueId val="{00000025-9EB1-4547-B62F-2D9C8EFC7515}"/>
-              </c:ext>
-            </c:extLst>
           </c:dPt>
           <c:dPt>
             <c:idx val="19"/>
@@ -1224,11 +1129,6 @@
                 </a:outerShdw>
               </a:effectLst>
             </c:spPr>
-            <c:extLst>
-              <c:ext xmlns:c16="http://schemas.microsoft.com/office/drawing/2014/chart" uri="{C3380CC4-5D6E-409C-BE32-E72D297353CC}">
-                <c16:uniqueId val="{00000027-9EB1-4547-B62F-2D9C8EFC7515}"/>
-              </c:ext>
-            </c:extLst>
           </c:dPt>
           <c:dPt>
             <c:idx val="20"/>
@@ -1274,11 +1174,6 @@
                 </a:outerShdw>
               </a:effectLst>
             </c:spPr>
-            <c:extLst>
-              <c:ext xmlns:c16="http://schemas.microsoft.com/office/drawing/2014/chart" uri="{C3380CC4-5D6E-409C-BE32-E72D297353CC}">
-                <c16:uniqueId val="{00000029-9EB1-4547-B62F-2D9C8EFC7515}"/>
-              </c:ext>
-            </c:extLst>
           </c:dPt>
           <c:dPt>
             <c:idx val="21"/>
@@ -1324,11 +1219,6 @@
                 </a:outerShdw>
               </a:effectLst>
             </c:spPr>
-            <c:extLst>
-              <c:ext xmlns:c16="http://schemas.microsoft.com/office/drawing/2014/chart" uri="{C3380CC4-5D6E-409C-BE32-E72D297353CC}">
-                <c16:uniqueId val="{0000002B-9EB1-4547-B62F-2D9C8EFC7515}"/>
-              </c:ext>
-            </c:extLst>
           </c:dPt>
           <c:dPt>
             <c:idx val="22"/>
@@ -1374,11 +1264,6 @@
                 </a:outerShdw>
               </a:effectLst>
             </c:spPr>
-            <c:extLst>
-              <c:ext xmlns:c16="http://schemas.microsoft.com/office/drawing/2014/chart" uri="{C3380CC4-5D6E-409C-BE32-E72D297353CC}">
-                <c16:uniqueId val="{0000002D-9EB1-4547-B62F-2D9C8EFC7515}"/>
-              </c:ext>
-            </c:extLst>
           </c:dPt>
           <c:dPt>
             <c:idx val="23"/>
@@ -1424,11 +1309,6 @@
                 </a:outerShdw>
               </a:effectLst>
             </c:spPr>
-            <c:extLst>
-              <c:ext xmlns:c16="http://schemas.microsoft.com/office/drawing/2014/chart" uri="{C3380CC4-5D6E-409C-BE32-E72D297353CC}">
-                <c16:uniqueId val="{0000002F-9EB1-4547-B62F-2D9C8EFC7515}"/>
-              </c:ext>
-            </c:extLst>
           </c:dPt>
           <c:dLbls>
             <c:spPr>
@@ -1486,7 +1366,14 @@
           </c:dLbls>
           <c:cat>
             <c:strRef>
-              <c:f>Sheet1!$A$2:$A$29</c:f>
+              <c:extLst>
+                <c:ext xmlns:c15="http://schemas.microsoft.com/office/drawing/2012/chart" uri="{02D57815-91ED-43cb-92C2-25804820EDAC}">
+                  <c15:fullRef>
+                    <c15:sqref>Sheet1!$A$2:$A$29</c15:sqref>
+                  </c15:fullRef>
+                </c:ext>
+              </c:extLst>
+              <c:f>Sheet1!$A$3:$A$26</c:f>
               <c:strCache>
                 <c:ptCount val="24"/>
                 <c:pt idx="0">
@@ -1562,12 +1449,18 @@
                   <c:v>Chocolate Cake</c:v>
                 </c:pt>
               </c:strCache>
-              <c:extLst/>
             </c:strRef>
           </c:cat>
           <c:val>
             <c:numRef>
-              <c:f>Sheet1!$B$2:$B$29</c:f>
+              <c:extLst>
+                <c:ext xmlns:c15="http://schemas.microsoft.com/office/drawing/2012/chart" uri="{02D57815-91ED-43cb-92C2-25804820EDAC}">
+                  <c15:fullRef>
+                    <c15:sqref>Sheet1!$B$2:$B$29</c15:sqref>
+                  </c15:fullRef>
+                </c:ext>
+              </c:extLst>
+              <c:f>Sheet1!$B$3:$B$26</c:f>
               <c:numCache>
                 <c:formatCode>_("$"* #,##0.00_);_("$"* \(#,##0.00\);_("$"* "-"??_);_(@_)</c:formatCode>
                 <c:ptCount val="24"/>
@@ -1644,10 +1537,12 @@
                   <c:v>8</c:v>
                 </c:pt>
               </c:numCache>
-              <c:extLst/>
             </c:numRef>
           </c:val>
           <c:extLst>
+            <c:ext xmlns:c15="http://schemas.microsoft.com/office/drawing/2012/chart" uri="{02D57815-91ED-43cb-92C2-25804820EDAC}">
+              <c15:categoryFilterExceptions/>
+            </c:ext>
             <c:ext xmlns:c16="http://schemas.microsoft.com/office/drawing/2014/chart" uri="{C3380CC4-5D6E-409C-BE32-E72D297353CC}">
               <c16:uniqueId val="{00000000-905F-425A-A152-7A9BCC2AD701}"/>
             </c:ext>
@@ -2225,7 +2120,7 @@
             <a:effectLst/>
           </c:spPr>
         </c:majorGridlines>
-        <c:numFmt formatCode="_(&quot;$&quot;* #,##0.00_);_(&quot;$&quot;* \(#,##0.00\);_(&quot;$&quot;* &quot;-&quot;??_);_(@_)" sourceLinked="1"/>
+        <c:numFmt formatCode="General" sourceLinked="1"/>
         <c:majorTickMark val="none"/>
         <c:minorTickMark val="none"/>
         <c:tickLblPos val="nextTo"/>
@@ -12409,7 +12304,7 @@
                             </p:stCondLst>
                             <p:childTnLst>
                               <p:par>
-                                <p:cTn id="17" presetID="2" presetClass="entr" presetSubtype="4" fill="hold" nodeType="clickEffect">
+                                <p:cTn id="17" presetID="42" presetClass="entr" presetSubtype="0" fill="hold" nodeType="clickEffect">
                                   <p:stCondLst>
                                     <p:cond delay="0"/>
                                   </p:stCondLst>
@@ -12436,9 +12331,9 @@
                                         <p:strVal val="visible"/>
                                       </p:to>
                                     </p:set>
-                                    <p:anim calcmode="lin" valueType="num">
-                                      <p:cBhvr additive="base">
-                                        <p:cTn id="19" dur="500" fill="hold"/>
+                                    <p:animEffect transition="in" filter="fade">
+                                      <p:cBhvr>
+                                        <p:cTn id="19" dur="1000"/>
                                         <p:tgtEl>
                                           <p:spTgt spid="2">
                                             <p:txEl>
@@ -12446,26 +12341,11 @@
                                             </p:txEl>
                                           </p:spTgt>
                                         </p:tgtEl>
-                                        <p:attrNameLst>
-                                          <p:attrName>ppt_x</p:attrName>
-                                        </p:attrNameLst>
-                                      </p:cBhvr>
-                                      <p:tavLst>
-                                        <p:tav tm="0">
-                                          <p:val>
-                                            <p:strVal val="#ppt_x"/>
-                                          </p:val>
-                                        </p:tav>
-                                        <p:tav tm="100000">
-                                          <p:val>
-                                            <p:strVal val="#ppt_x"/>
-                                          </p:val>
-                                        </p:tav>
-                                      </p:tavLst>
-                                    </p:anim>
+                                      </p:cBhvr>
+                                    </p:animEffect>
                                     <p:anim calcmode="lin" valueType="num">
-                                      <p:cBhvr additive="base">
-                                        <p:cTn id="20" dur="500" fill="hold"/>
+                                      <p:cBhvr>
+                                        <p:cTn id="20" dur="1000" fill="hold"/>
                                         <p:tgtEl>
                                           <p:spTgt spid="2">
                                             <p:txEl>
@@ -12474,13 +12354,40 @@
                                           </p:spTgt>
                                         </p:tgtEl>
                                         <p:attrNameLst>
-                                          <p:attrName>ppt_y</p:attrName>
+                                          <p:attrName>ppt_x</p:attrName>
                                         </p:attrNameLst>
                                       </p:cBhvr>
                                       <p:tavLst>
                                         <p:tav tm="0">
                                           <p:val>
-                                            <p:strVal val="1+#ppt_h/2"/>
+                                            <p:strVal val="#ppt_x"/>
+                                          </p:val>
+                                        </p:tav>
+                                        <p:tav tm="100000">
+                                          <p:val>
+                                            <p:strVal val="#ppt_x"/>
+                                          </p:val>
+                                        </p:tav>
+                                      </p:tavLst>
+                                    </p:anim>
+                                    <p:anim calcmode="lin" valueType="num">
+                                      <p:cBhvr>
+                                        <p:cTn id="21" dur="1000" fill="hold"/>
+                                        <p:tgtEl>
+                                          <p:spTgt spid="2">
+                                            <p:txEl>
+                                              <p:pRg st="3" end="3"/>
+                                            </p:txEl>
+                                          </p:spTgt>
+                                        </p:tgtEl>
+                                        <p:attrNameLst>
+                                          <p:attrName>ppt_y</p:attrName>
+                                        </p:attrNameLst>
+                                      </p:cBhvr>
+                                      <p:tavLst>
+                                        <p:tav tm="0">
+                                          <p:val>
+                                            <p:strVal val="#ppt_y+.1"/>
                                           </p:val>
                                         </p:tav>
                                         <p:tav tm="100000">
@@ -12500,26 +12407,26 @@
                     </p:cTn>
                   </p:par>
                   <p:par>
-                    <p:cTn id="21" fill="hold">
+                    <p:cTn id="22" fill="hold">
                       <p:stCondLst>
                         <p:cond delay="indefinite"/>
                       </p:stCondLst>
                       <p:childTnLst>
                         <p:par>
-                          <p:cTn id="22" fill="hold">
+                          <p:cTn id="23" fill="hold">
                             <p:stCondLst>
                               <p:cond delay="0"/>
                             </p:stCondLst>
                             <p:childTnLst>
                               <p:par>
-                                <p:cTn id="23" presetID="2" presetClass="entr" presetSubtype="4" fill="hold" nodeType="clickEffect">
+                                <p:cTn id="24" presetID="2" presetClass="entr" presetSubtype="4" fill="hold" nodeType="clickEffect">
                                   <p:stCondLst>
                                     <p:cond delay="0"/>
                                   </p:stCondLst>
                                   <p:childTnLst>
                                     <p:set>
                                       <p:cBhvr>
-                                        <p:cTn id="24" dur="1" fill="hold">
+                                        <p:cTn id="25" dur="1" fill="hold">
                                           <p:stCondLst>
                                             <p:cond delay="0"/>
                                           </p:stCondLst>
@@ -12541,7 +12448,7 @@
                                     </p:set>
                                     <p:anim calcmode="lin" valueType="num">
                                       <p:cBhvr additive="base">
-                                        <p:cTn id="25" dur="500" fill="hold"/>
+                                        <p:cTn id="26" dur="500" fill="hold"/>
                                         <p:tgtEl>
                                           <p:spTgt spid="4">
                                             <p:txEl>
@@ -12568,7 +12475,7 @@
                                     </p:anim>
                                     <p:anim calcmode="lin" valueType="num">
                                       <p:cBhvr additive="base">
-                                        <p:cTn id="26" dur="500" fill="hold"/>
+                                        <p:cTn id="27" dur="500" fill="hold"/>
                                         <p:tgtEl>
                                           <p:spTgt spid="4">
                                             <p:txEl>
@@ -15632,6 +15539,832 @@
           <p:cNvPr id="2" name="TextBox 1">
             <a:extLst>
               <a:ext uri="{FF2B5EF4-FFF2-40B4-BE49-F238E27FC236}">
+                <a16:creationId xmlns:a16="http://schemas.microsoft.com/office/drawing/2014/main" id="{A64A9744-6013-4CF3-86D9-6F46F3B8AD33}"/>
+              </a:ext>
+            </a:extLst>
+          </p:cNvPr>
+          <p:cNvSpPr txBox="1"/>
+          <p:nvPr/>
+        </p:nvSpPr>
+        <p:spPr>
+          <a:xfrm>
+            <a:off x="3235570" y="740805"/>
+            <a:ext cx="4670472" cy="707886"/>
+          </a:xfrm>
+          <a:prstGeom prst="rect">
+            <a:avLst/>
+          </a:prstGeom>
+          <a:noFill/>
+        </p:spPr>
+        <p:txBody>
+          <a:bodyPr wrap="square" rtlCol="0">
+            <a:spAutoFit/>
+          </a:bodyPr>
+          <a:lstStyle/>
+          <a:p>
+            <a:r>
+              <a:rPr lang="en-US" sz="4000" i="1" u="sng" dirty="0">
+                <a:solidFill>
+                  <a:srgbClr val="EEBA2B"/>
+                </a:solidFill>
+                <a:latin typeface="Times New Roman" panose="02020603050405020304" pitchFamily="18" charset="0"/>
+                <a:cs typeface="Times New Roman" panose="02020603050405020304" pitchFamily="18" charset="0"/>
+              </a:rPr>
+              <a:t>Executive Summary</a:t>
+            </a:r>
+          </a:p>
+        </p:txBody>
+      </p:sp>
+      <p:sp>
+        <p:nvSpPr>
+          <p:cNvPr id="3" name="TextBox 2">
+            <a:extLst>
+              <a:ext uri="{FF2B5EF4-FFF2-40B4-BE49-F238E27FC236}">
+                <a16:creationId xmlns:a16="http://schemas.microsoft.com/office/drawing/2014/main" id="{62E51021-C0BD-4D33-AA41-07C0203487FC}"/>
+              </a:ext>
+            </a:extLst>
+          </p:cNvPr>
+          <p:cNvSpPr txBox="1"/>
+          <p:nvPr/>
+        </p:nvSpPr>
+        <p:spPr>
+          <a:xfrm>
+            <a:off x="640080" y="1945843"/>
+            <a:ext cx="9875520" cy="3903954"/>
+          </a:xfrm>
+          <a:prstGeom prst="rect">
+            <a:avLst/>
+          </a:prstGeom>
+          <a:noFill/>
+        </p:spPr>
+        <p:txBody>
+          <a:bodyPr wrap="square" rtlCol="0">
+            <a:spAutoFit/>
+          </a:bodyPr>
+          <a:lstStyle/>
+          <a:p>
+            <a:pPr marL="285750" indent="-285750" algn="just">
+              <a:lnSpc>
+                <a:spcPct val="150000"/>
+              </a:lnSpc>
+              <a:buFont typeface="Arial" panose="020B0604020202020204" pitchFamily="34" charset="0"/>
+              <a:buChar char="•"/>
+            </a:pPr>
+            <a:r>
+              <a:rPr lang="en-US" sz="2400" dirty="0">
+                <a:solidFill>
+                  <a:schemeClr val="bg1"/>
+                </a:solidFill>
+                <a:latin typeface="Times New Roman" panose="02020603050405020304" pitchFamily="18" charset="0"/>
+                <a:cs typeface="Times New Roman" panose="02020603050405020304" pitchFamily="18" charset="0"/>
+              </a:rPr>
+              <a:t>Developed a fully responsive static website using only HTML5 &amp; CSS3</a:t>
+            </a:r>
+          </a:p>
+          <a:p>
+            <a:pPr marL="285750" indent="-285750" algn="just">
+              <a:lnSpc>
+                <a:spcPct val="150000"/>
+              </a:lnSpc>
+              <a:buFont typeface="Arial" panose="020B0604020202020204" pitchFamily="34" charset="0"/>
+              <a:buChar char="•"/>
+            </a:pPr>
+            <a:r>
+              <a:rPr lang="en-US" sz="2400" dirty="0">
+                <a:solidFill>
+                  <a:schemeClr val="bg1"/>
+                </a:solidFill>
+                <a:latin typeface="Times New Roman" panose="02020603050405020304" pitchFamily="18" charset="0"/>
+                <a:cs typeface="Times New Roman" panose="02020603050405020304" pitchFamily="18" charset="0"/>
+              </a:rPr>
+              <a:t>Designed to provide a simple, fast, and user-friendly online food ordering experience</a:t>
+            </a:r>
+          </a:p>
+          <a:p>
+            <a:pPr marL="285750" indent="-285750" algn="just">
+              <a:lnSpc>
+                <a:spcPct val="150000"/>
+              </a:lnSpc>
+              <a:buFont typeface="Arial" panose="020B0604020202020204" pitchFamily="34" charset="0"/>
+              <a:buChar char="•"/>
+            </a:pPr>
+            <a:r>
+              <a:rPr lang="en-US" sz="2400" dirty="0">
+                <a:solidFill>
+                  <a:schemeClr val="bg1"/>
+                </a:solidFill>
+                <a:latin typeface="Times New Roman" panose="02020603050405020304" pitchFamily="18" charset="0"/>
+                <a:cs typeface="Times New Roman" panose="02020603050405020304" pitchFamily="18" charset="0"/>
+              </a:rPr>
+              <a:t>Website includes Home, Menu, Cart, Gallery, Login, About, and Contact us pages.</a:t>
+            </a:r>
+          </a:p>
+          <a:p>
+            <a:pPr marL="285750" indent="-285750">
+              <a:lnSpc>
+                <a:spcPct val="150000"/>
+              </a:lnSpc>
+              <a:buFont typeface="Arial" panose="020B0604020202020204" pitchFamily="34" charset="0"/>
+              <a:buChar char="•"/>
+            </a:pPr>
+            <a:r>
+              <a:rPr lang="en-US" sz="2400" dirty="0">
+                <a:solidFill>
+                  <a:schemeClr val="bg1"/>
+                </a:solidFill>
+                <a:latin typeface="Times New Roman" panose="02020603050405020304" pitchFamily="18" charset="0"/>
+                <a:cs typeface="Times New Roman" panose="02020603050405020304" pitchFamily="18" charset="0"/>
+              </a:rPr>
+              <a:t>The goals are to get the restaurant more visible online, build a strong brand image, and lay the groundwork for future website enhancements</a:t>
+            </a:r>
+          </a:p>
+        </p:txBody>
+      </p:sp>
+    </p:spTree>
+    <p:extLst>
+      <p:ext uri="{BB962C8B-B14F-4D97-AF65-F5344CB8AC3E}">
+        <p14:creationId xmlns:p14="http://schemas.microsoft.com/office/powerpoint/2010/main" val="3611573692"/>
+      </p:ext>
+    </p:extLst>
+  </p:cSld>
+  <p:clrMapOvr>
+    <a:masterClrMapping/>
+  </p:clrMapOvr>
+  <p:timing>
+    <p:tnLst>
+      <p:par>
+        <p:cTn id="1" dur="indefinite" restart="never" nodeType="tmRoot">
+          <p:childTnLst>
+            <p:seq concurrent="1" nextAc="seek">
+              <p:cTn id="2" dur="indefinite" nodeType="mainSeq">
+                <p:childTnLst>
+                  <p:par>
+                    <p:cTn id="3" fill="hold">
+                      <p:stCondLst>
+                        <p:cond delay="indefinite"/>
+                      </p:stCondLst>
+                      <p:childTnLst>
+                        <p:par>
+                          <p:cTn id="4" fill="hold">
+                            <p:stCondLst>
+                              <p:cond delay="0"/>
+                            </p:stCondLst>
+                            <p:childTnLst>
+                              <p:par>
+                                <p:cTn id="5" presetID="53" presetClass="entr" presetSubtype="16" fill="hold" nodeType="clickEffect">
+                                  <p:stCondLst>
+                                    <p:cond delay="0"/>
+                                  </p:stCondLst>
+                                  <p:childTnLst>
+                                    <p:set>
+                                      <p:cBhvr>
+                                        <p:cTn id="6" dur="1" fill="hold">
+                                          <p:stCondLst>
+                                            <p:cond delay="0"/>
+                                          </p:stCondLst>
+                                        </p:cTn>
+                                        <p:tgtEl>
+                                          <p:spTgt spid="2">
+                                            <p:txEl>
+                                              <p:pRg st="0" end="0"/>
+                                            </p:txEl>
+                                          </p:spTgt>
+                                        </p:tgtEl>
+                                        <p:attrNameLst>
+                                          <p:attrName>style.visibility</p:attrName>
+                                        </p:attrNameLst>
+                                      </p:cBhvr>
+                                      <p:to>
+                                        <p:strVal val="visible"/>
+                                      </p:to>
+                                    </p:set>
+                                    <p:anim calcmode="lin" valueType="num">
+                                      <p:cBhvr>
+                                        <p:cTn id="7" dur="500" fill="hold"/>
+                                        <p:tgtEl>
+                                          <p:spTgt spid="2">
+                                            <p:txEl>
+                                              <p:pRg st="0" end="0"/>
+                                            </p:txEl>
+                                          </p:spTgt>
+                                        </p:tgtEl>
+                                        <p:attrNameLst>
+                                          <p:attrName>ppt_w</p:attrName>
+                                        </p:attrNameLst>
+                                      </p:cBhvr>
+                                      <p:tavLst>
+                                        <p:tav tm="0">
+                                          <p:val>
+                                            <p:fltVal val="0"/>
+                                          </p:val>
+                                        </p:tav>
+                                        <p:tav tm="100000">
+                                          <p:val>
+                                            <p:strVal val="#ppt_w"/>
+                                          </p:val>
+                                        </p:tav>
+                                      </p:tavLst>
+                                    </p:anim>
+                                    <p:anim calcmode="lin" valueType="num">
+                                      <p:cBhvr>
+                                        <p:cTn id="8" dur="500" fill="hold"/>
+                                        <p:tgtEl>
+                                          <p:spTgt spid="2">
+                                            <p:txEl>
+                                              <p:pRg st="0" end="0"/>
+                                            </p:txEl>
+                                          </p:spTgt>
+                                        </p:tgtEl>
+                                        <p:attrNameLst>
+                                          <p:attrName>ppt_h</p:attrName>
+                                        </p:attrNameLst>
+                                      </p:cBhvr>
+                                      <p:tavLst>
+                                        <p:tav tm="0">
+                                          <p:val>
+                                            <p:fltVal val="0"/>
+                                          </p:val>
+                                        </p:tav>
+                                        <p:tav tm="100000">
+                                          <p:val>
+                                            <p:strVal val="#ppt_h"/>
+                                          </p:val>
+                                        </p:tav>
+                                      </p:tavLst>
+                                    </p:anim>
+                                    <p:animEffect transition="in" filter="fade">
+                                      <p:cBhvr>
+                                        <p:cTn id="9" dur="500"/>
+                                        <p:tgtEl>
+                                          <p:spTgt spid="2">
+                                            <p:txEl>
+                                              <p:pRg st="0" end="0"/>
+                                            </p:txEl>
+                                          </p:spTgt>
+                                        </p:tgtEl>
+                                      </p:cBhvr>
+                                    </p:animEffect>
+                                  </p:childTnLst>
+                                </p:cTn>
+                              </p:par>
+                            </p:childTnLst>
+                          </p:cTn>
+                        </p:par>
+                      </p:childTnLst>
+                    </p:cTn>
+                  </p:par>
+                  <p:par>
+                    <p:cTn id="10" fill="hold">
+                      <p:stCondLst>
+                        <p:cond delay="indefinite"/>
+                      </p:stCondLst>
+                      <p:childTnLst>
+                        <p:par>
+                          <p:cTn id="11" fill="hold">
+                            <p:stCondLst>
+                              <p:cond delay="0"/>
+                            </p:stCondLst>
+                            <p:childTnLst>
+                              <p:par>
+                                <p:cTn id="12" presetID="2" presetClass="entr" presetSubtype="4" fill="hold" nodeType="clickEffect">
+                                  <p:stCondLst>
+                                    <p:cond delay="0"/>
+                                  </p:stCondLst>
+                                  <p:childTnLst>
+                                    <p:set>
+                                      <p:cBhvr>
+                                        <p:cTn id="13" dur="1" fill="hold">
+                                          <p:stCondLst>
+                                            <p:cond delay="0"/>
+                                          </p:stCondLst>
+                                        </p:cTn>
+                                        <p:tgtEl>
+                                          <p:spTgt spid="3">
+                                            <p:txEl>
+                                              <p:pRg st="0" end="0"/>
+                                            </p:txEl>
+                                          </p:spTgt>
+                                        </p:tgtEl>
+                                        <p:attrNameLst>
+                                          <p:attrName>style.visibility</p:attrName>
+                                        </p:attrNameLst>
+                                      </p:cBhvr>
+                                      <p:to>
+                                        <p:strVal val="visible"/>
+                                      </p:to>
+                                    </p:set>
+                                    <p:anim calcmode="lin" valueType="num">
+                                      <p:cBhvr additive="base">
+                                        <p:cTn id="14" dur="500" fill="hold"/>
+                                        <p:tgtEl>
+                                          <p:spTgt spid="3">
+                                            <p:txEl>
+                                              <p:pRg st="0" end="0"/>
+                                            </p:txEl>
+                                          </p:spTgt>
+                                        </p:tgtEl>
+                                        <p:attrNameLst>
+                                          <p:attrName>ppt_x</p:attrName>
+                                        </p:attrNameLst>
+                                      </p:cBhvr>
+                                      <p:tavLst>
+                                        <p:tav tm="0">
+                                          <p:val>
+                                            <p:strVal val="#ppt_x"/>
+                                          </p:val>
+                                        </p:tav>
+                                        <p:tav tm="100000">
+                                          <p:val>
+                                            <p:strVal val="#ppt_x"/>
+                                          </p:val>
+                                        </p:tav>
+                                      </p:tavLst>
+                                    </p:anim>
+                                    <p:anim calcmode="lin" valueType="num">
+                                      <p:cBhvr additive="base">
+                                        <p:cTn id="15" dur="500" fill="hold"/>
+                                        <p:tgtEl>
+                                          <p:spTgt spid="3">
+                                            <p:txEl>
+                                              <p:pRg st="0" end="0"/>
+                                            </p:txEl>
+                                          </p:spTgt>
+                                        </p:tgtEl>
+                                        <p:attrNameLst>
+                                          <p:attrName>ppt_y</p:attrName>
+                                        </p:attrNameLst>
+                                      </p:cBhvr>
+                                      <p:tavLst>
+                                        <p:tav tm="0">
+                                          <p:val>
+                                            <p:strVal val="1+#ppt_h/2"/>
+                                          </p:val>
+                                        </p:tav>
+                                        <p:tav tm="100000">
+                                          <p:val>
+                                            <p:strVal val="#ppt_y"/>
+                                          </p:val>
+                                        </p:tav>
+                                      </p:tavLst>
+                                    </p:anim>
+                                  </p:childTnLst>
+                                </p:cTn>
+                              </p:par>
+                            </p:childTnLst>
+                          </p:cTn>
+                        </p:par>
+                      </p:childTnLst>
+                    </p:cTn>
+                  </p:par>
+                  <p:par>
+                    <p:cTn id="16" fill="hold">
+                      <p:stCondLst>
+                        <p:cond delay="indefinite"/>
+                      </p:stCondLst>
+                      <p:childTnLst>
+                        <p:par>
+                          <p:cTn id="17" fill="hold">
+                            <p:stCondLst>
+                              <p:cond delay="0"/>
+                            </p:stCondLst>
+                            <p:childTnLst>
+                              <p:par>
+                                <p:cTn id="18" presetID="2" presetClass="entr" presetSubtype="4" fill="hold" nodeType="clickEffect">
+                                  <p:stCondLst>
+                                    <p:cond delay="0"/>
+                                  </p:stCondLst>
+                                  <p:childTnLst>
+                                    <p:set>
+                                      <p:cBhvr>
+                                        <p:cTn id="19" dur="1" fill="hold">
+                                          <p:stCondLst>
+                                            <p:cond delay="0"/>
+                                          </p:stCondLst>
+                                        </p:cTn>
+                                        <p:tgtEl>
+                                          <p:spTgt spid="3">
+                                            <p:txEl>
+                                              <p:pRg st="1" end="1"/>
+                                            </p:txEl>
+                                          </p:spTgt>
+                                        </p:tgtEl>
+                                        <p:attrNameLst>
+                                          <p:attrName>style.visibility</p:attrName>
+                                        </p:attrNameLst>
+                                      </p:cBhvr>
+                                      <p:to>
+                                        <p:strVal val="visible"/>
+                                      </p:to>
+                                    </p:set>
+                                    <p:anim calcmode="lin" valueType="num">
+                                      <p:cBhvr additive="base">
+                                        <p:cTn id="20" dur="500" fill="hold"/>
+                                        <p:tgtEl>
+                                          <p:spTgt spid="3">
+                                            <p:txEl>
+                                              <p:pRg st="1" end="1"/>
+                                            </p:txEl>
+                                          </p:spTgt>
+                                        </p:tgtEl>
+                                        <p:attrNameLst>
+                                          <p:attrName>ppt_x</p:attrName>
+                                        </p:attrNameLst>
+                                      </p:cBhvr>
+                                      <p:tavLst>
+                                        <p:tav tm="0">
+                                          <p:val>
+                                            <p:strVal val="#ppt_x"/>
+                                          </p:val>
+                                        </p:tav>
+                                        <p:tav tm="100000">
+                                          <p:val>
+                                            <p:strVal val="#ppt_x"/>
+                                          </p:val>
+                                        </p:tav>
+                                      </p:tavLst>
+                                    </p:anim>
+                                    <p:anim calcmode="lin" valueType="num">
+                                      <p:cBhvr additive="base">
+                                        <p:cTn id="21" dur="500" fill="hold"/>
+                                        <p:tgtEl>
+                                          <p:spTgt spid="3">
+                                            <p:txEl>
+                                              <p:pRg st="1" end="1"/>
+                                            </p:txEl>
+                                          </p:spTgt>
+                                        </p:tgtEl>
+                                        <p:attrNameLst>
+                                          <p:attrName>ppt_y</p:attrName>
+                                        </p:attrNameLst>
+                                      </p:cBhvr>
+                                      <p:tavLst>
+                                        <p:tav tm="0">
+                                          <p:val>
+                                            <p:strVal val="1+#ppt_h/2"/>
+                                          </p:val>
+                                        </p:tav>
+                                        <p:tav tm="100000">
+                                          <p:val>
+                                            <p:strVal val="#ppt_y"/>
+                                          </p:val>
+                                        </p:tav>
+                                      </p:tavLst>
+                                    </p:anim>
+                                  </p:childTnLst>
+                                </p:cTn>
+                              </p:par>
+                            </p:childTnLst>
+                          </p:cTn>
+                        </p:par>
+                      </p:childTnLst>
+                    </p:cTn>
+                  </p:par>
+                  <p:par>
+                    <p:cTn id="22" fill="hold">
+                      <p:stCondLst>
+                        <p:cond delay="indefinite"/>
+                      </p:stCondLst>
+                      <p:childTnLst>
+                        <p:par>
+                          <p:cTn id="23" fill="hold">
+                            <p:stCondLst>
+                              <p:cond delay="0"/>
+                            </p:stCondLst>
+                            <p:childTnLst>
+                              <p:par>
+                                <p:cTn id="24" presetID="2" presetClass="entr" presetSubtype="4" fill="hold" nodeType="clickEffect">
+                                  <p:stCondLst>
+                                    <p:cond delay="0"/>
+                                  </p:stCondLst>
+                                  <p:childTnLst>
+                                    <p:set>
+                                      <p:cBhvr>
+                                        <p:cTn id="25" dur="1" fill="hold">
+                                          <p:stCondLst>
+                                            <p:cond delay="0"/>
+                                          </p:stCondLst>
+                                        </p:cTn>
+                                        <p:tgtEl>
+                                          <p:spTgt spid="3">
+                                            <p:txEl>
+                                              <p:pRg st="2" end="2"/>
+                                            </p:txEl>
+                                          </p:spTgt>
+                                        </p:tgtEl>
+                                        <p:attrNameLst>
+                                          <p:attrName>style.visibility</p:attrName>
+                                        </p:attrNameLst>
+                                      </p:cBhvr>
+                                      <p:to>
+                                        <p:strVal val="visible"/>
+                                      </p:to>
+                                    </p:set>
+                                    <p:anim calcmode="lin" valueType="num">
+                                      <p:cBhvr additive="base">
+                                        <p:cTn id="26" dur="500" fill="hold"/>
+                                        <p:tgtEl>
+                                          <p:spTgt spid="3">
+                                            <p:txEl>
+                                              <p:pRg st="2" end="2"/>
+                                            </p:txEl>
+                                          </p:spTgt>
+                                        </p:tgtEl>
+                                        <p:attrNameLst>
+                                          <p:attrName>ppt_x</p:attrName>
+                                        </p:attrNameLst>
+                                      </p:cBhvr>
+                                      <p:tavLst>
+                                        <p:tav tm="0">
+                                          <p:val>
+                                            <p:strVal val="#ppt_x"/>
+                                          </p:val>
+                                        </p:tav>
+                                        <p:tav tm="100000">
+                                          <p:val>
+                                            <p:strVal val="#ppt_x"/>
+                                          </p:val>
+                                        </p:tav>
+                                      </p:tavLst>
+                                    </p:anim>
+                                    <p:anim calcmode="lin" valueType="num">
+                                      <p:cBhvr additive="base">
+                                        <p:cTn id="27" dur="500" fill="hold"/>
+                                        <p:tgtEl>
+                                          <p:spTgt spid="3">
+                                            <p:txEl>
+                                              <p:pRg st="2" end="2"/>
+                                            </p:txEl>
+                                          </p:spTgt>
+                                        </p:tgtEl>
+                                        <p:attrNameLst>
+                                          <p:attrName>ppt_y</p:attrName>
+                                        </p:attrNameLst>
+                                      </p:cBhvr>
+                                      <p:tavLst>
+                                        <p:tav tm="0">
+                                          <p:val>
+                                            <p:strVal val="1+#ppt_h/2"/>
+                                          </p:val>
+                                        </p:tav>
+                                        <p:tav tm="100000">
+                                          <p:val>
+                                            <p:strVal val="#ppt_y"/>
+                                          </p:val>
+                                        </p:tav>
+                                      </p:tavLst>
+                                    </p:anim>
+                                  </p:childTnLst>
+                                </p:cTn>
+                              </p:par>
+                            </p:childTnLst>
+                          </p:cTn>
+                        </p:par>
+                      </p:childTnLst>
+                    </p:cTn>
+                  </p:par>
+                  <p:par>
+                    <p:cTn id="28" fill="hold">
+                      <p:stCondLst>
+                        <p:cond delay="indefinite"/>
+                      </p:stCondLst>
+                      <p:childTnLst>
+                        <p:par>
+                          <p:cTn id="29" fill="hold">
+                            <p:stCondLst>
+                              <p:cond delay="0"/>
+                            </p:stCondLst>
+                            <p:childTnLst>
+                              <p:par>
+                                <p:cTn id="30" presetID="2" presetClass="entr" presetSubtype="4" fill="hold" nodeType="clickEffect">
+                                  <p:stCondLst>
+                                    <p:cond delay="0"/>
+                                  </p:stCondLst>
+                                  <p:childTnLst>
+                                    <p:set>
+                                      <p:cBhvr>
+                                        <p:cTn id="31" dur="1" fill="hold">
+                                          <p:stCondLst>
+                                            <p:cond delay="0"/>
+                                          </p:stCondLst>
+                                        </p:cTn>
+                                        <p:tgtEl>
+                                          <p:spTgt spid="3">
+                                            <p:txEl>
+                                              <p:pRg st="3" end="3"/>
+                                            </p:txEl>
+                                          </p:spTgt>
+                                        </p:tgtEl>
+                                        <p:attrNameLst>
+                                          <p:attrName>style.visibility</p:attrName>
+                                        </p:attrNameLst>
+                                      </p:cBhvr>
+                                      <p:to>
+                                        <p:strVal val="visible"/>
+                                      </p:to>
+                                    </p:set>
+                                    <p:anim calcmode="lin" valueType="num">
+                                      <p:cBhvr additive="base">
+                                        <p:cTn id="32" dur="500" fill="hold"/>
+                                        <p:tgtEl>
+                                          <p:spTgt spid="3">
+                                            <p:txEl>
+                                              <p:pRg st="3" end="3"/>
+                                            </p:txEl>
+                                          </p:spTgt>
+                                        </p:tgtEl>
+                                        <p:attrNameLst>
+                                          <p:attrName>ppt_x</p:attrName>
+                                        </p:attrNameLst>
+                                      </p:cBhvr>
+                                      <p:tavLst>
+                                        <p:tav tm="0">
+                                          <p:val>
+                                            <p:strVal val="#ppt_x"/>
+                                          </p:val>
+                                        </p:tav>
+                                        <p:tav tm="100000">
+                                          <p:val>
+                                            <p:strVal val="#ppt_x"/>
+                                          </p:val>
+                                        </p:tav>
+                                      </p:tavLst>
+                                    </p:anim>
+                                    <p:anim calcmode="lin" valueType="num">
+                                      <p:cBhvr additive="base">
+                                        <p:cTn id="33" dur="500" fill="hold"/>
+                                        <p:tgtEl>
+                                          <p:spTgt spid="3">
+                                            <p:txEl>
+                                              <p:pRg st="3" end="3"/>
+                                            </p:txEl>
+                                          </p:spTgt>
+                                        </p:tgtEl>
+                                        <p:attrNameLst>
+                                          <p:attrName>ppt_y</p:attrName>
+                                        </p:attrNameLst>
+                                      </p:cBhvr>
+                                      <p:tavLst>
+                                        <p:tav tm="0">
+                                          <p:val>
+                                            <p:strVal val="1+#ppt_h/2"/>
+                                          </p:val>
+                                        </p:tav>
+                                        <p:tav tm="100000">
+                                          <p:val>
+                                            <p:strVal val="#ppt_y"/>
+                                          </p:val>
+                                        </p:tav>
+                                      </p:tavLst>
+                                    </p:anim>
+                                  </p:childTnLst>
+                                </p:cTn>
+                              </p:par>
+                            </p:childTnLst>
+                          </p:cTn>
+                        </p:par>
+                      </p:childTnLst>
+                    </p:cTn>
+                  </p:par>
+                </p:childTnLst>
+              </p:cTn>
+              <p:prevCondLst>
+                <p:cond evt="onPrev" delay="0">
+                  <p:tgtEl>
+                    <p:sldTgt/>
+                  </p:tgtEl>
+                </p:cond>
+              </p:prevCondLst>
+              <p:nextCondLst>
+                <p:cond evt="onNext" delay="0">
+                  <p:tgtEl>
+                    <p:sldTgt/>
+                  </p:tgtEl>
+                </p:cond>
+              </p:nextCondLst>
+            </p:seq>
+          </p:childTnLst>
+        </p:cTn>
+      </p:par>
+    </p:tnLst>
+  </p:timing>
+</p:sld>
+</file>
+
+<file path=ppt/slides/slide4.xml><?xml version="1.0" encoding="utf-8"?>
+<p:sld xmlns:a="http://schemas.openxmlformats.org/drawingml/2006/main" xmlns:r="http://schemas.openxmlformats.org/officeDocument/2006/relationships" xmlns:p="http://schemas.openxmlformats.org/presentationml/2006/main">
+  <p:cSld>
+    <p:spTree>
+      <p:nvGrpSpPr>
+        <p:cNvPr id="1" name=""/>
+        <p:cNvGrpSpPr/>
+        <p:nvPr/>
+      </p:nvGrpSpPr>
+      <p:grpSpPr>
+        <a:xfrm>
+          <a:off x="0" y="0"/>
+          <a:ext cx="0" cy="0"/>
+          <a:chOff x="0" y="0"/>
+          <a:chExt cx="0" cy="0"/>
+        </a:xfrm>
+      </p:grpSpPr>
+      <p:pic>
+        <p:nvPicPr>
+          <p:cNvPr id="7" name="Picture 6">
+            <a:extLst>
+              <a:ext uri="{FF2B5EF4-FFF2-40B4-BE49-F238E27FC236}">
+                <a16:creationId xmlns:a16="http://schemas.microsoft.com/office/drawing/2014/main" id="{307102E2-3286-4CCD-B070-30E204067900}"/>
+              </a:ext>
+            </a:extLst>
+          </p:cNvPr>
+          <p:cNvPicPr>
+            <a:picLocks noChangeAspect="1"/>
+          </p:cNvPicPr>
+          <p:nvPr/>
+        </p:nvPicPr>
+        <p:blipFill>
+          <a:blip r:embed="rId2">
+            <a:extLst>
+              <a:ext uri="{28A0092B-C50C-407E-A947-70E740481C1C}">
+                <a14:useLocalDpi xmlns:a14="http://schemas.microsoft.com/office/drawing/2010/main" val="0"/>
+              </a:ext>
+            </a:extLst>
+          </a:blip>
+          <a:stretch>
+            <a:fillRect/>
+          </a:stretch>
+        </p:blipFill>
+        <p:spPr>
+          <a:xfrm>
+            <a:off x="0" y="0"/>
+            <a:ext cx="12192000" cy="6858000"/>
+          </a:xfrm>
+          <a:prstGeom prst="rect">
+            <a:avLst/>
+          </a:prstGeom>
+        </p:spPr>
+      </p:pic>
+      <p:sp>
+        <p:nvSpPr>
+          <p:cNvPr id="12" name="Rectangle 11">
+            <a:extLst>
+              <a:ext uri="{FF2B5EF4-FFF2-40B4-BE49-F238E27FC236}">
+                <a16:creationId xmlns:a16="http://schemas.microsoft.com/office/drawing/2014/main" id="{025C42EE-F160-40F0-8745-E5B33D91A1C8}"/>
+              </a:ext>
+            </a:extLst>
+          </p:cNvPr>
+          <p:cNvSpPr/>
+          <p:nvPr/>
+        </p:nvSpPr>
+        <p:spPr>
+          <a:xfrm>
+            <a:off x="3235570" y="1406769"/>
+            <a:ext cx="5416062" cy="4600136"/>
+          </a:xfrm>
+          <a:prstGeom prst="rect">
+            <a:avLst/>
+          </a:prstGeom>
+          <a:blipFill>
+            <a:blip r:embed="rId3">
+              <a:alphaModFix amt="15000"/>
+            </a:blip>
+            <a:stretch>
+              <a:fillRect/>
+            </a:stretch>
+          </a:blipFill>
+          <a:ln>
+            <a:noFill/>
+          </a:ln>
+        </p:spPr>
+        <p:style>
+          <a:lnRef idx="2">
+            <a:schemeClr val="accent1">
+              <a:shade val="50000"/>
+            </a:schemeClr>
+          </a:lnRef>
+          <a:fillRef idx="1">
+            <a:schemeClr val="accent1"/>
+          </a:fillRef>
+          <a:effectRef idx="0">
+            <a:schemeClr val="accent1"/>
+          </a:effectRef>
+          <a:fontRef idx="minor">
+            <a:schemeClr val="lt1"/>
+          </a:fontRef>
+        </p:style>
+        <p:txBody>
+          <a:bodyPr rtlCol="0" anchor="ctr"/>
+          <a:lstStyle/>
+          <a:p>
+            <a:pPr algn="ctr"/>
+            <a:endParaRPr lang="en-US"/>
+          </a:p>
+        </p:txBody>
+      </p:sp>
+      <p:sp>
+        <p:nvSpPr>
+          <p:cNvPr id="2" name="TextBox 1">
+            <a:extLst>
+              <a:ext uri="{FF2B5EF4-FFF2-40B4-BE49-F238E27FC236}">
                 <a16:creationId xmlns:a16="http://schemas.microsoft.com/office/drawing/2014/main" id="{1B4918D1-2AA0-4765-B25F-1869C336CB54}"/>
               </a:ext>
             </a:extLst>
@@ -16238,7 +16971,7 @@
                             </p:stCondLst>
                             <p:childTnLst>
                               <p:par>
-                                <p:cTn id="30" presetID="2" presetClass="entr" presetSubtype="4" fill="hold" nodeType="clickEffect">
+                                <p:cTn id="30" presetID="42" presetClass="entr" presetSubtype="0" fill="hold" nodeType="clickEffect">
                                   <p:stCondLst>
                                     <p:cond delay="0"/>
                                   </p:stCondLst>
@@ -16265,9 +16998,9 @@
                                         <p:strVal val="visible"/>
                                       </p:to>
                                     </p:set>
-                                    <p:anim calcmode="lin" valueType="num">
-                                      <p:cBhvr additive="base">
-                                        <p:cTn id="32" dur="500" fill="hold"/>
+                                    <p:animEffect transition="in" filter="fade">
+                                      <p:cBhvr>
+                                        <p:cTn id="32" dur="1000"/>
                                         <p:tgtEl>
                                           <p:spTgt spid="3">
                                             <p:txEl>
@@ -16275,26 +17008,11 @@
                                             </p:txEl>
                                           </p:spTgt>
                                         </p:tgtEl>
-                                        <p:attrNameLst>
-                                          <p:attrName>ppt_x</p:attrName>
-                                        </p:attrNameLst>
-                                      </p:cBhvr>
-                                      <p:tavLst>
-                                        <p:tav tm="0">
-                                          <p:val>
-                                            <p:strVal val="#ppt_x"/>
-                                          </p:val>
-                                        </p:tav>
-                                        <p:tav tm="100000">
-                                          <p:val>
-                                            <p:strVal val="#ppt_x"/>
-                                          </p:val>
-                                        </p:tav>
-                                      </p:tavLst>
-                                    </p:anim>
+                                      </p:cBhvr>
+                                    </p:animEffect>
                                     <p:anim calcmode="lin" valueType="num">
-                                      <p:cBhvr additive="base">
-                                        <p:cTn id="33" dur="500" fill="hold"/>
+                                      <p:cBhvr>
+                                        <p:cTn id="33" dur="1000" fill="hold"/>
                                         <p:tgtEl>
                                           <p:spTgt spid="3">
                                             <p:txEl>
@@ -16303,13 +17021,40 @@
                                           </p:spTgt>
                                         </p:tgtEl>
                                         <p:attrNameLst>
-                                          <p:attrName>ppt_y</p:attrName>
+                                          <p:attrName>ppt_x</p:attrName>
                                         </p:attrNameLst>
                                       </p:cBhvr>
                                       <p:tavLst>
                                         <p:tav tm="0">
                                           <p:val>
-                                            <p:strVal val="1+#ppt_h/2"/>
+                                            <p:strVal val="#ppt_x"/>
+                                          </p:val>
+                                        </p:tav>
+                                        <p:tav tm="100000">
+                                          <p:val>
+                                            <p:strVal val="#ppt_x"/>
+                                          </p:val>
+                                        </p:tav>
+                                      </p:tavLst>
+                                    </p:anim>
+                                    <p:anim calcmode="lin" valueType="num">
+                                      <p:cBhvr>
+                                        <p:cTn id="34" dur="1000" fill="hold"/>
+                                        <p:tgtEl>
+                                          <p:spTgt spid="3">
+                                            <p:txEl>
+                                              <p:pRg st="3" end="3"/>
+                                            </p:txEl>
+                                          </p:spTgt>
+                                        </p:tgtEl>
+                                        <p:attrNameLst>
+                                          <p:attrName>ppt_y</p:attrName>
+                                        </p:attrNameLst>
+                                      </p:cBhvr>
+                                      <p:tavLst>
+                                        <p:tav tm="0">
+                                          <p:val>
+                                            <p:strVal val="#ppt_y+.1"/>
                                           </p:val>
                                         </p:tav>
                                         <p:tav tm="100000">
@@ -16329,26 +17074,26 @@
                     </p:cTn>
                   </p:par>
                   <p:par>
-                    <p:cTn id="34" fill="hold">
+                    <p:cTn id="35" fill="hold">
                       <p:stCondLst>
                         <p:cond delay="indefinite"/>
                       </p:stCondLst>
                       <p:childTnLst>
                         <p:par>
-                          <p:cTn id="35" fill="hold">
+                          <p:cTn id="36" fill="hold">
                             <p:stCondLst>
                               <p:cond delay="0"/>
                             </p:stCondLst>
                             <p:childTnLst>
                               <p:par>
-                                <p:cTn id="36" presetID="2" presetClass="entr" presetSubtype="4" fill="hold" nodeType="clickEffect">
+                                <p:cTn id="37" presetID="2" presetClass="entr" presetSubtype="4" fill="hold" nodeType="clickEffect">
                                   <p:stCondLst>
                                     <p:cond delay="0"/>
                                   </p:stCondLst>
                                   <p:childTnLst>
                                     <p:set>
                                       <p:cBhvr>
-                                        <p:cTn id="37" dur="1" fill="hold">
+                                        <p:cTn id="38" dur="1" fill="hold">
                                           <p:stCondLst>
                                             <p:cond delay="0"/>
                                           </p:stCondLst>
@@ -16370,7 +17115,7 @@
                                     </p:set>
                                     <p:anim calcmode="lin" valueType="num">
                                       <p:cBhvr additive="base">
-                                        <p:cTn id="38" dur="500" fill="hold"/>
+                                        <p:cTn id="39" dur="500" fill="hold"/>
                                         <p:tgtEl>
                                           <p:spTgt spid="3">
                                             <p:txEl>
@@ -16397,7 +17142,7 @@
                                     </p:anim>
                                     <p:anim calcmode="lin" valueType="num">
                                       <p:cBhvr additive="base">
-                                        <p:cTn id="39" dur="500" fill="hold"/>
+                                        <p:cTn id="40" dur="500" fill="hold"/>
                                         <p:tgtEl>
                                           <p:spTgt spid="3">
                                             <p:txEl>
@@ -16455,832 +17200,6 @@
     <p:bldLst>
       <p:bldP spid="2" grpId="0"/>
     </p:bldLst>
-  </p:timing>
-</p:sld>
-</file>
-
-<file path=ppt/slides/slide4.xml><?xml version="1.0" encoding="utf-8"?>
-<p:sld xmlns:a="http://schemas.openxmlformats.org/drawingml/2006/main" xmlns:r="http://schemas.openxmlformats.org/officeDocument/2006/relationships" xmlns:p="http://schemas.openxmlformats.org/presentationml/2006/main">
-  <p:cSld>
-    <p:spTree>
-      <p:nvGrpSpPr>
-        <p:cNvPr id="1" name=""/>
-        <p:cNvGrpSpPr/>
-        <p:nvPr/>
-      </p:nvGrpSpPr>
-      <p:grpSpPr>
-        <a:xfrm>
-          <a:off x="0" y="0"/>
-          <a:ext cx="0" cy="0"/>
-          <a:chOff x="0" y="0"/>
-          <a:chExt cx="0" cy="0"/>
-        </a:xfrm>
-      </p:grpSpPr>
-      <p:pic>
-        <p:nvPicPr>
-          <p:cNvPr id="7" name="Picture 6">
-            <a:extLst>
-              <a:ext uri="{FF2B5EF4-FFF2-40B4-BE49-F238E27FC236}">
-                <a16:creationId xmlns:a16="http://schemas.microsoft.com/office/drawing/2014/main" id="{307102E2-3286-4CCD-B070-30E204067900}"/>
-              </a:ext>
-            </a:extLst>
-          </p:cNvPr>
-          <p:cNvPicPr>
-            <a:picLocks noChangeAspect="1"/>
-          </p:cNvPicPr>
-          <p:nvPr/>
-        </p:nvPicPr>
-        <p:blipFill>
-          <a:blip r:embed="rId2">
-            <a:extLst>
-              <a:ext uri="{28A0092B-C50C-407E-A947-70E740481C1C}">
-                <a14:useLocalDpi xmlns:a14="http://schemas.microsoft.com/office/drawing/2010/main" val="0"/>
-              </a:ext>
-            </a:extLst>
-          </a:blip>
-          <a:stretch>
-            <a:fillRect/>
-          </a:stretch>
-        </p:blipFill>
-        <p:spPr>
-          <a:xfrm>
-            <a:off x="0" y="0"/>
-            <a:ext cx="12192000" cy="6858000"/>
-          </a:xfrm>
-          <a:prstGeom prst="rect">
-            <a:avLst/>
-          </a:prstGeom>
-        </p:spPr>
-      </p:pic>
-      <p:sp>
-        <p:nvSpPr>
-          <p:cNvPr id="12" name="Rectangle 11">
-            <a:extLst>
-              <a:ext uri="{FF2B5EF4-FFF2-40B4-BE49-F238E27FC236}">
-                <a16:creationId xmlns:a16="http://schemas.microsoft.com/office/drawing/2014/main" id="{025C42EE-F160-40F0-8745-E5B33D91A1C8}"/>
-              </a:ext>
-            </a:extLst>
-          </p:cNvPr>
-          <p:cNvSpPr/>
-          <p:nvPr/>
-        </p:nvSpPr>
-        <p:spPr>
-          <a:xfrm>
-            <a:off x="3235570" y="1406769"/>
-            <a:ext cx="5416062" cy="4600136"/>
-          </a:xfrm>
-          <a:prstGeom prst="rect">
-            <a:avLst/>
-          </a:prstGeom>
-          <a:blipFill>
-            <a:blip r:embed="rId3">
-              <a:alphaModFix amt="15000"/>
-            </a:blip>
-            <a:stretch>
-              <a:fillRect/>
-            </a:stretch>
-          </a:blipFill>
-          <a:ln>
-            <a:noFill/>
-          </a:ln>
-        </p:spPr>
-        <p:style>
-          <a:lnRef idx="2">
-            <a:schemeClr val="accent1">
-              <a:shade val="50000"/>
-            </a:schemeClr>
-          </a:lnRef>
-          <a:fillRef idx="1">
-            <a:schemeClr val="accent1"/>
-          </a:fillRef>
-          <a:effectRef idx="0">
-            <a:schemeClr val="accent1"/>
-          </a:effectRef>
-          <a:fontRef idx="minor">
-            <a:schemeClr val="lt1"/>
-          </a:fontRef>
-        </p:style>
-        <p:txBody>
-          <a:bodyPr rtlCol="0" anchor="ctr"/>
-          <a:lstStyle/>
-          <a:p>
-            <a:pPr algn="ctr"/>
-            <a:endParaRPr lang="en-US"/>
-          </a:p>
-        </p:txBody>
-      </p:sp>
-      <p:sp>
-        <p:nvSpPr>
-          <p:cNvPr id="2" name="TextBox 1">
-            <a:extLst>
-              <a:ext uri="{FF2B5EF4-FFF2-40B4-BE49-F238E27FC236}">
-                <a16:creationId xmlns:a16="http://schemas.microsoft.com/office/drawing/2014/main" id="{A64A9744-6013-4CF3-86D9-6F46F3B8AD33}"/>
-              </a:ext>
-            </a:extLst>
-          </p:cNvPr>
-          <p:cNvSpPr txBox="1"/>
-          <p:nvPr/>
-        </p:nvSpPr>
-        <p:spPr>
-          <a:xfrm>
-            <a:off x="3235570" y="740805"/>
-            <a:ext cx="4670472" cy="707886"/>
-          </a:xfrm>
-          <a:prstGeom prst="rect">
-            <a:avLst/>
-          </a:prstGeom>
-          <a:noFill/>
-        </p:spPr>
-        <p:txBody>
-          <a:bodyPr wrap="square" rtlCol="0">
-            <a:spAutoFit/>
-          </a:bodyPr>
-          <a:lstStyle/>
-          <a:p>
-            <a:r>
-              <a:rPr lang="en-US" sz="4000" i="1" u="sng" dirty="0">
-                <a:solidFill>
-                  <a:srgbClr val="EEBA2B"/>
-                </a:solidFill>
-                <a:latin typeface="Times New Roman" panose="02020603050405020304" pitchFamily="18" charset="0"/>
-                <a:cs typeface="Times New Roman" panose="02020603050405020304" pitchFamily="18" charset="0"/>
-              </a:rPr>
-              <a:t>Executive Summary</a:t>
-            </a:r>
-          </a:p>
-        </p:txBody>
-      </p:sp>
-      <p:sp>
-        <p:nvSpPr>
-          <p:cNvPr id="3" name="TextBox 2">
-            <a:extLst>
-              <a:ext uri="{FF2B5EF4-FFF2-40B4-BE49-F238E27FC236}">
-                <a16:creationId xmlns:a16="http://schemas.microsoft.com/office/drawing/2014/main" id="{62E51021-C0BD-4D33-AA41-07C0203487FC}"/>
-              </a:ext>
-            </a:extLst>
-          </p:cNvPr>
-          <p:cNvSpPr txBox="1"/>
-          <p:nvPr/>
-        </p:nvSpPr>
-        <p:spPr>
-          <a:xfrm>
-            <a:off x="640080" y="1945843"/>
-            <a:ext cx="9875520" cy="3903954"/>
-          </a:xfrm>
-          <a:prstGeom prst="rect">
-            <a:avLst/>
-          </a:prstGeom>
-          <a:noFill/>
-        </p:spPr>
-        <p:txBody>
-          <a:bodyPr wrap="square" rtlCol="0">
-            <a:spAutoFit/>
-          </a:bodyPr>
-          <a:lstStyle/>
-          <a:p>
-            <a:pPr marL="285750" indent="-285750" algn="just">
-              <a:lnSpc>
-                <a:spcPct val="150000"/>
-              </a:lnSpc>
-              <a:buFont typeface="Arial" panose="020B0604020202020204" pitchFamily="34" charset="0"/>
-              <a:buChar char="•"/>
-            </a:pPr>
-            <a:r>
-              <a:rPr lang="en-US" sz="2400" dirty="0">
-                <a:solidFill>
-                  <a:schemeClr val="bg1"/>
-                </a:solidFill>
-                <a:latin typeface="Times New Roman" panose="02020603050405020304" pitchFamily="18" charset="0"/>
-                <a:cs typeface="Times New Roman" panose="02020603050405020304" pitchFamily="18" charset="0"/>
-              </a:rPr>
-              <a:t>Developed a fully responsive static website using only HTML5 &amp; CSS3</a:t>
-            </a:r>
-          </a:p>
-          <a:p>
-            <a:pPr marL="285750" indent="-285750" algn="just">
-              <a:lnSpc>
-                <a:spcPct val="150000"/>
-              </a:lnSpc>
-              <a:buFont typeface="Arial" panose="020B0604020202020204" pitchFamily="34" charset="0"/>
-              <a:buChar char="•"/>
-            </a:pPr>
-            <a:r>
-              <a:rPr lang="en-US" sz="2400" dirty="0">
-                <a:solidFill>
-                  <a:schemeClr val="bg1"/>
-                </a:solidFill>
-                <a:latin typeface="Times New Roman" panose="02020603050405020304" pitchFamily="18" charset="0"/>
-                <a:cs typeface="Times New Roman" panose="02020603050405020304" pitchFamily="18" charset="0"/>
-              </a:rPr>
-              <a:t>Designed to provide a simple, fast, and user-friendly online food ordering experience</a:t>
-            </a:r>
-          </a:p>
-          <a:p>
-            <a:pPr marL="285750" indent="-285750" algn="just">
-              <a:lnSpc>
-                <a:spcPct val="150000"/>
-              </a:lnSpc>
-              <a:buFont typeface="Arial" panose="020B0604020202020204" pitchFamily="34" charset="0"/>
-              <a:buChar char="•"/>
-            </a:pPr>
-            <a:r>
-              <a:rPr lang="en-US" sz="2400" dirty="0">
-                <a:solidFill>
-                  <a:schemeClr val="bg1"/>
-                </a:solidFill>
-                <a:latin typeface="Times New Roman" panose="02020603050405020304" pitchFamily="18" charset="0"/>
-                <a:cs typeface="Times New Roman" panose="02020603050405020304" pitchFamily="18" charset="0"/>
-              </a:rPr>
-              <a:t>Website includes Home, Menu, Cart, Gallery, Login, About, and Contact us pages.</a:t>
-            </a:r>
-          </a:p>
-          <a:p>
-            <a:pPr marL="285750" indent="-285750">
-              <a:lnSpc>
-                <a:spcPct val="150000"/>
-              </a:lnSpc>
-              <a:buFont typeface="Arial" panose="020B0604020202020204" pitchFamily="34" charset="0"/>
-              <a:buChar char="•"/>
-            </a:pPr>
-            <a:r>
-              <a:rPr lang="en-US" sz="2400" dirty="0">
-                <a:solidFill>
-                  <a:schemeClr val="bg1"/>
-                </a:solidFill>
-                <a:latin typeface="Times New Roman" panose="02020603050405020304" pitchFamily="18" charset="0"/>
-                <a:cs typeface="Times New Roman" panose="02020603050405020304" pitchFamily="18" charset="0"/>
-              </a:rPr>
-              <a:t>The goals are to get the restaurant more visible online, build a strong brand image, and lay the groundwork for future website enhancements</a:t>
-            </a:r>
-          </a:p>
-        </p:txBody>
-      </p:sp>
-    </p:spTree>
-    <p:extLst>
-      <p:ext uri="{BB962C8B-B14F-4D97-AF65-F5344CB8AC3E}">
-        <p14:creationId xmlns:p14="http://schemas.microsoft.com/office/powerpoint/2010/main" val="3611573692"/>
-      </p:ext>
-    </p:extLst>
-  </p:cSld>
-  <p:clrMapOvr>
-    <a:masterClrMapping/>
-  </p:clrMapOvr>
-  <p:timing>
-    <p:tnLst>
-      <p:par>
-        <p:cTn id="1" dur="indefinite" restart="never" nodeType="tmRoot">
-          <p:childTnLst>
-            <p:seq concurrent="1" nextAc="seek">
-              <p:cTn id="2" dur="indefinite" nodeType="mainSeq">
-                <p:childTnLst>
-                  <p:par>
-                    <p:cTn id="3" fill="hold">
-                      <p:stCondLst>
-                        <p:cond delay="indefinite"/>
-                      </p:stCondLst>
-                      <p:childTnLst>
-                        <p:par>
-                          <p:cTn id="4" fill="hold">
-                            <p:stCondLst>
-                              <p:cond delay="0"/>
-                            </p:stCondLst>
-                            <p:childTnLst>
-                              <p:par>
-                                <p:cTn id="5" presetID="53" presetClass="entr" presetSubtype="16" fill="hold" nodeType="clickEffect">
-                                  <p:stCondLst>
-                                    <p:cond delay="0"/>
-                                  </p:stCondLst>
-                                  <p:childTnLst>
-                                    <p:set>
-                                      <p:cBhvr>
-                                        <p:cTn id="6" dur="1" fill="hold">
-                                          <p:stCondLst>
-                                            <p:cond delay="0"/>
-                                          </p:stCondLst>
-                                        </p:cTn>
-                                        <p:tgtEl>
-                                          <p:spTgt spid="2">
-                                            <p:txEl>
-                                              <p:pRg st="0" end="0"/>
-                                            </p:txEl>
-                                          </p:spTgt>
-                                        </p:tgtEl>
-                                        <p:attrNameLst>
-                                          <p:attrName>style.visibility</p:attrName>
-                                        </p:attrNameLst>
-                                      </p:cBhvr>
-                                      <p:to>
-                                        <p:strVal val="visible"/>
-                                      </p:to>
-                                    </p:set>
-                                    <p:anim calcmode="lin" valueType="num">
-                                      <p:cBhvr>
-                                        <p:cTn id="7" dur="500" fill="hold"/>
-                                        <p:tgtEl>
-                                          <p:spTgt spid="2">
-                                            <p:txEl>
-                                              <p:pRg st="0" end="0"/>
-                                            </p:txEl>
-                                          </p:spTgt>
-                                        </p:tgtEl>
-                                        <p:attrNameLst>
-                                          <p:attrName>ppt_w</p:attrName>
-                                        </p:attrNameLst>
-                                      </p:cBhvr>
-                                      <p:tavLst>
-                                        <p:tav tm="0">
-                                          <p:val>
-                                            <p:fltVal val="0"/>
-                                          </p:val>
-                                        </p:tav>
-                                        <p:tav tm="100000">
-                                          <p:val>
-                                            <p:strVal val="#ppt_w"/>
-                                          </p:val>
-                                        </p:tav>
-                                      </p:tavLst>
-                                    </p:anim>
-                                    <p:anim calcmode="lin" valueType="num">
-                                      <p:cBhvr>
-                                        <p:cTn id="8" dur="500" fill="hold"/>
-                                        <p:tgtEl>
-                                          <p:spTgt spid="2">
-                                            <p:txEl>
-                                              <p:pRg st="0" end="0"/>
-                                            </p:txEl>
-                                          </p:spTgt>
-                                        </p:tgtEl>
-                                        <p:attrNameLst>
-                                          <p:attrName>ppt_h</p:attrName>
-                                        </p:attrNameLst>
-                                      </p:cBhvr>
-                                      <p:tavLst>
-                                        <p:tav tm="0">
-                                          <p:val>
-                                            <p:fltVal val="0"/>
-                                          </p:val>
-                                        </p:tav>
-                                        <p:tav tm="100000">
-                                          <p:val>
-                                            <p:strVal val="#ppt_h"/>
-                                          </p:val>
-                                        </p:tav>
-                                      </p:tavLst>
-                                    </p:anim>
-                                    <p:animEffect transition="in" filter="fade">
-                                      <p:cBhvr>
-                                        <p:cTn id="9" dur="500"/>
-                                        <p:tgtEl>
-                                          <p:spTgt spid="2">
-                                            <p:txEl>
-                                              <p:pRg st="0" end="0"/>
-                                            </p:txEl>
-                                          </p:spTgt>
-                                        </p:tgtEl>
-                                      </p:cBhvr>
-                                    </p:animEffect>
-                                  </p:childTnLst>
-                                </p:cTn>
-                              </p:par>
-                            </p:childTnLst>
-                          </p:cTn>
-                        </p:par>
-                      </p:childTnLst>
-                    </p:cTn>
-                  </p:par>
-                  <p:par>
-                    <p:cTn id="10" fill="hold">
-                      <p:stCondLst>
-                        <p:cond delay="indefinite"/>
-                      </p:stCondLst>
-                      <p:childTnLst>
-                        <p:par>
-                          <p:cTn id="11" fill="hold">
-                            <p:stCondLst>
-                              <p:cond delay="0"/>
-                            </p:stCondLst>
-                            <p:childTnLst>
-                              <p:par>
-                                <p:cTn id="12" presetID="2" presetClass="entr" presetSubtype="4" fill="hold" nodeType="clickEffect">
-                                  <p:stCondLst>
-                                    <p:cond delay="0"/>
-                                  </p:stCondLst>
-                                  <p:childTnLst>
-                                    <p:set>
-                                      <p:cBhvr>
-                                        <p:cTn id="13" dur="1" fill="hold">
-                                          <p:stCondLst>
-                                            <p:cond delay="0"/>
-                                          </p:stCondLst>
-                                        </p:cTn>
-                                        <p:tgtEl>
-                                          <p:spTgt spid="3">
-                                            <p:txEl>
-                                              <p:pRg st="0" end="0"/>
-                                            </p:txEl>
-                                          </p:spTgt>
-                                        </p:tgtEl>
-                                        <p:attrNameLst>
-                                          <p:attrName>style.visibility</p:attrName>
-                                        </p:attrNameLst>
-                                      </p:cBhvr>
-                                      <p:to>
-                                        <p:strVal val="visible"/>
-                                      </p:to>
-                                    </p:set>
-                                    <p:anim calcmode="lin" valueType="num">
-                                      <p:cBhvr additive="base">
-                                        <p:cTn id="14" dur="500" fill="hold"/>
-                                        <p:tgtEl>
-                                          <p:spTgt spid="3">
-                                            <p:txEl>
-                                              <p:pRg st="0" end="0"/>
-                                            </p:txEl>
-                                          </p:spTgt>
-                                        </p:tgtEl>
-                                        <p:attrNameLst>
-                                          <p:attrName>ppt_x</p:attrName>
-                                        </p:attrNameLst>
-                                      </p:cBhvr>
-                                      <p:tavLst>
-                                        <p:tav tm="0">
-                                          <p:val>
-                                            <p:strVal val="#ppt_x"/>
-                                          </p:val>
-                                        </p:tav>
-                                        <p:tav tm="100000">
-                                          <p:val>
-                                            <p:strVal val="#ppt_x"/>
-                                          </p:val>
-                                        </p:tav>
-                                      </p:tavLst>
-                                    </p:anim>
-                                    <p:anim calcmode="lin" valueType="num">
-                                      <p:cBhvr additive="base">
-                                        <p:cTn id="15" dur="500" fill="hold"/>
-                                        <p:tgtEl>
-                                          <p:spTgt spid="3">
-                                            <p:txEl>
-                                              <p:pRg st="0" end="0"/>
-                                            </p:txEl>
-                                          </p:spTgt>
-                                        </p:tgtEl>
-                                        <p:attrNameLst>
-                                          <p:attrName>ppt_y</p:attrName>
-                                        </p:attrNameLst>
-                                      </p:cBhvr>
-                                      <p:tavLst>
-                                        <p:tav tm="0">
-                                          <p:val>
-                                            <p:strVal val="1+#ppt_h/2"/>
-                                          </p:val>
-                                        </p:tav>
-                                        <p:tav tm="100000">
-                                          <p:val>
-                                            <p:strVal val="#ppt_y"/>
-                                          </p:val>
-                                        </p:tav>
-                                      </p:tavLst>
-                                    </p:anim>
-                                  </p:childTnLst>
-                                </p:cTn>
-                              </p:par>
-                            </p:childTnLst>
-                          </p:cTn>
-                        </p:par>
-                      </p:childTnLst>
-                    </p:cTn>
-                  </p:par>
-                  <p:par>
-                    <p:cTn id="16" fill="hold">
-                      <p:stCondLst>
-                        <p:cond delay="indefinite"/>
-                      </p:stCondLst>
-                      <p:childTnLst>
-                        <p:par>
-                          <p:cTn id="17" fill="hold">
-                            <p:stCondLst>
-                              <p:cond delay="0"/>
-                            </p:stCondLst>
-                            <p:childTnLst>
-                              <p:par>
-                                <p:cTn id="18" presetID="2" presetClass="entr" presetSubtype="4" fill="hold" nodeType="clickEffect">
-                                  <p:stCondLst>
-                                    <p:cond delay="0"/>
-                                  </p:stCondLst>
-                                  <p:childTnLst>
-                                    <p:set>
-                                      <p:cBhvr>
-                                        <p:cTn id="19" dur="1" fill="hold">
-                                          <p:stCondLst>
-                                            <p:cond delay="0"/>
-                                          </p:stCondLst>
-                                        </p:cTn>
-                                        <p:tgtEl>
-                                          <p:spTgt spid="3">
-                                            <p:txEl>
-                                              <p:pRg st="1" end="1"/>
-                                            </p:txEl>
-                                          </p:spTgt>
-                                        </p:tgtEl>
-                                        <p:attrNameLst>
-                                          <p:attrName>style.visibility</p:attrName>
-                                        </p:attrNameLst>
-                                      </p:cBhvr>
-                                      <p:to>
-                                        <p:strVal val="visible"/>
-                                      </p:to>
-                                    </p:set>
-                                    <p:anim calcmode="lin" valueType="num">
-                                      <p:cBhvr additive="base">
-                                        <p:cTn id="20" dur="500" fill="hold"/>
-                                        <p:tgtEl>
-                                          <p:spTgt spid="3">
-                                            <p:txEl>
-                                              <p:pRg st="1" end="1"/>
-                                            </p:txEl>
-                                          </p:spTgt>
-                                        </p:tgtEl>
-                                        <p:attrNameLst>
-                                          <p:attrName>ppt_x</p:attrName>
-                                        </p:attrNameLst>
-                                      </p:cBhvr>
-                                      <p:tavLst>
-                                        <p:tav tm="0">
-                                          <p:val>
-                                            <p:strVal val="#ppt_x"/>
-                                          </p:val>
-                                        </p:tav>
-                                        <p:tav tm="100000">
-                                          <p:val>
-                                            <p:strVal val="#ppt_x"/>
-                                          </p:val>
-                                        </p:tav>
-                                      </p:tavLst>
-                                    </p:anim>
-                                    <p:anim calcmode="lin" valueType="num">
-                                      <p:cBhvr additive="base">
-                                        <p:cTn id="21" dur="500" fill="hold"/>
-                                        <p:tgtEl>
-                                          <p:spTgt spid="3">
-                                            <p:txEl>
-                                              <p:pRg st="1" end="1"/>
-                                            </p:txEl>
-                                          </p:spTgt>
-                                        </p:tgtEl>
-                                        <p:attrNameLst>
-                                          <p:attrName>ppt_y</p:attrName>
-                                        </p:attrNameLst>
-                                      </p:cBhvr>
-                                      <p:tavLst>
-                                        <p:tav tm="0">
-                                          <p:val>
-                                            <p:strVal val="1+#ppt_h/2"/>
-                                          </p:val>
-                                        </p:tav>
-                                        <p:tav tm="100000">
-                                          <p:val>
-                                            <p:strVal val="#ppt_y"/>
-                                          </p:val>
-                                        </p:tav>
-                                      </p:tavLst>
-                                    </p:anim>
-                                  </p:childTnLst>
-                                </p:cTn>
-                              </p:par>
-                            </p:childTnLst>
-                          </p:cTn>
-                        </p:par>
-                      </p:childTnLst>
-                    </p:cTn>
-                  </p:par>
-                  <p:par>
-                    <p:cTn id="22" fill="hold">
-                      <p:stCondLst>
-                        <p:cond delay="indefinite"/>
-                      </p:stCondLst>
-                      <p:childTnLst>
-                        <p:par>
-                          <p:cTn id="23" fill="hold">
-                            <p:stCondLst>
-                              <p:cond delay="0"/>
-                            </p:stCondLst>
-                            <p:childTnLst>
-                              <p:par>
-                                <p:cTn id="24" presetID="2" presetClass="entr" presetSubtype="4" fill="hold" nodeType="clickEffect">
-                                  <p:stCondLst>
-                                    <p:cond delay="0"/>
-                                  </p:stCondLst>
-                                  <p:childTnLst>
-                                    <p:set>
-                                      <p:cBhvr>
-                                        <p:cTn id="25" dur="1" fill="hold">
-                                          <p:stCondLst>
-                                            <p:cond delay="0"/>
-                                          </p:stCondLst>
-                                        </p:cTn>
-                                        <p:tgtEl>
-                                          <p:spTgt spid="3">
-                                            <p:txEl>
-                                              <p:pRg st="2" end="2"/>
-                                            </p:txEl>
-                                          </p:spTgt>
-                                        </p:tgtEl>
-                                        <p:attrNameLst>
-                                          <p:attrName>style.visibility</p:attrName>
-                                        </p:attrNameLst>
-                                      </p:cBhvr>
-                                      <p:to>
-                                        <p:strVal val="visible"/>
-                                      </p:to>
-                                    </p:set>
-                                    <p:anim calcmode="lin" valueType="num">
-                                      <p:cBhvr additive="base">
-                                        <p:cTn id="26" dur="500" fill="hold"/>
-                                        <p:tgtEl>
-                                          <p:spTgt spid="3">
-                                            <p:txEl>
-                                              <p:pRg st="2" end="2"/>
-                                            </p:txEl>
-                                          </p:spTgt>
-                                        </p:tgtEl>
-                                        <p:attrNameLst>
-                                          <p:attrName>ppt_x</p:attrName>
-                                        </p:attrNameLst>
-                                      </p:cBhvr>
-                                      <p:tavLst>
-                                        <p:tav tm="0">
-                                          <p:val>
-                                            <p:strVal val="#ppt_x"/>
-                                          </p:val>
-                                        </p:tav>
-                                        <p:tav tm="100000">
-                                          <p:val>
-                                            <p:strVal val="#ppt_x"/>
-                                          </p:val>
-                                        </p:tav>
-                                      </p:tavLst>
-                                    </p:anim>
-                                    <p:anim calcmode="lin" valueType="num">
-                                      <p:cBhvr additive="base">
-                                        <p:cTn id="27" dur="500" fill="hold"/>
-                                        <p:tgtEl>
-                                          <p:spTgt spid="3">
-                                            <p:txEl>
-                                              <p:pRg st="2" end="2"/>
-                                            </p:txEl>
-                                          </p:spTgt>
-                                        </p:tgtEl>
-                                        <p:attrNameLst>
-                                          <p:attrName>ppt_y</p:attrName>
-                                        </p:attrNameLst>
-                                      </p:cBhvr>
-                                      <p:tavLst>
-                                        <p:tav tm="0">
-                                          <p:val>
-                                            <p:strVal val="1+#ppt_h/2"/>
-                                          </p:val>
-                                        </p:tav>
-                                        <p:tav tm="100000">
-                                          <p:val>
-                                            <p:strVal val="#ppt_y"/>
-                                          </p:val>
-                                        </p:tav>
-                                      </p:tavLst>
-                                    </p:anim>
-                                  </p:childTnLst>
-                                </p:cTn>
-                              </p:par>
-                            </p:childTnLst>
-                          </p:cTn>
-                        </p:par>
-                      </p:childTnLst>
-                    </p:cTn>
-                  </p:par>
-                  <p:par>
-                    <p:cTn id="28" fill="hold">
-                      <p:stCondLst>
-                        <p:cond delay="indefinite"/>
-                      </p:stCondLst>
-                      <p:childTnLst>
-                        <p:par>
-                          <p:cTn id="29" fill="hold">
-                            <p:stCondLst>
-                              <p:cond delay="0"/>
-                            </p:stCondLst>
-                            <p:childTnLst>
-                              <p:par>
-                                <p:cTn id="30" presetID="2" presetClass="entr" presetSubtype="4" fill="hold" nodeType="clickEffect">
-                                  <p:stCondLst>
-                                    <p:cond delay="0"/>
-                                  </p:stCondLst>
-                                  <p:childTnLst>
-                                    <p:set>
-                                      <p:cBhvr>
-                                        <p:cTn id="31" dur="1" fill="hold">
-                                          <p:stCondLst>
-                                            <p:cond delay="0"/>
-                                          </p:stCondLst>
-                                        </p:cTn>
-                                        <p:tgtEl>
-                                          <p:spTgt spid="3">
-                                            <p:txEl>
-                                              <p:pRg st="3" end="3"/>
-                                            </p:txEl>
-                                          </p:spTgt>
-                                        </p:tgtEl>
-                                        <p:attrNameLst>
-                                          <p:attrName>style.visibility</p:attrName>
-                                        </p:attrNameLst>
-                                      </p:cBhvr>
-                                      <p:to>
-                                        <p:strVal val="visible"/>
-                                      </p:to>
-                                    </p:set>
-                                    <p:anim calcmode="lin" valueType="num">
-                                      <p:cBhvr additive="base">
-                                        <p:cTn id="32" dur="500" fill="hold"/>
-                                        <p:tgtEl>
-                                          <p:spTgt spid="3">
-                                            <p:txEl>
-                                              <p:pRg st="3" end="3"/>
-                                            </p:txEl>
-                                          </p:spTgt>
-                                        </p:tgtEl>
-                                        <p:attrNameLst>
-                                          <p:attrName>ppt_x</p:attrName>
-                                        </p:attrNameLst>
-                                      </p:cBhvr>
-                                      <p:tavLst>
-                                        <p:tav tm="0">
-                                          <p:val>
-                                            <p:strVal val="#ppt_x"/>
-                                          </p:val>
-                                        </p:tav>
-                                        <p:tav tm="100000">
-                                          <p:val>
-                                            <p:strVal val="#ppt_x"/>
-                                          </p:val>
-                                        </p:tav>
-                                      </p:tavLst>
-                                    </p:anim>
-                                    <p:anim calcmode="lin" valueType="num">
-                                      <p:cBhvr additive="base">
-                                        <p:cTn id="33" dur="500" fill="hold"/>
-                                        <p:tgtEl>
-                                          <p:spTgt spid="3">
-                                            <p:txEl>
-                                              <p:pRg st="3" end="3"/>
-                                            </p:txEl>
-                                          </p:spTgt>
-                                        </p:tgtEl>
-                                        <p:attrNameLst>
-                                          <p:attrName>ppt_y</p:attrName>
-                                        </p:attrNameLst>
-                                      </p:cBhvr>
-                                      <p:tavLst>
-                                        <p:tav tm="0">
-                                          <p:val>
-                                            <p:strVal val="1+#ppt_h/2"/>
-                                          </p:val>
-                                        </p:tav>
-                                        <p:tav tm="100000">
-                                          <p:val>
-                                            <p:strVal val="#ppt_y"/>
-                                          </p:val>
-                                        </p:tav>
-                                      </p:tavLst>
-                                    </p:anim>
-                                  </p:childTnLst>
-                                </p:cTn>
-                              </p:par>
-                            </p:childTnLst>
-                          </p:cTn>
-                        </p:par>
-                      </p:childTnLst>
-                    </p:cTn>
-                  </p:par>
-                </p:childTnLst>
-              </p:cTn>
-              <p:prevCondLst>
-                <p:cond evt="onPrev" delay="0">
-                  <p:tgtEl>
-                    <p:sldTgt/>
-                  </p:tgtEl>
-                </p:cond>
-              </p:prevCondLst>
-              <p:nextCondLst>
-                <p:cond evt="onNext" delay="0">
-                  <p:tgtEl>
-                    <p:sldTgt/>
-                  </p:tgtEl>
-                </p:cond>
-              </p:nextCondLst>
-            </p:seq>
-          </p:childTnLst>
-        </p:cTn>
-      </p:par>
-    </p:tnLst>
   </p:timing>
 </p:sld>
 </file>

--- a/Online Restaurant.pptx
+++ b/Online Restaurant.pptx
@@ -271,6 +271,11 @@
                 </a:outerShdw>
               </a:effectLst>
             </c:spPr>
+            <c:extLst>
+              <c:ext xmlns:c16="http://schemas.microsoft.com/office/drawing/2014/chart" uri="{C3380CC4-5D6E-409C-BE32-E72D297353CC}">
+                <c16:uniqueId val="{00000001-2174-45DA-9B69-A975BBD58AAA}"/>
+              </c:ext>
+            </c:extLst>
           </c:dPt>
           <c:dPt>
             <c:idx val="1"/>
@@ -313,6 +318,11 @@
                 </a:outerShdw>
               </a:effectLst>
             </c:spPr>
+            <c:extLst>
+              <c:ext xmlns:c16="http://schemas.microsoft.com/office/drawing/2014/chart" uri="{C3380CC4-5D6E-409C-BE32-E72D297353CC}">
+                <c16:uniqueId val="{00000003-2174-45DA-9B69-A975BBD58AAA}"/>
+              </c:ext>
+            </c:extLst>
           </c:dPt>
           <c:dPt>
             <c:idx val="2"/>
@@ -355,6 +365,11 @@
                 </a:outerShdw>
               </a:effectLst>
             </c:spPr>
+            <c:extLst>
+              <c:ext xmlns:c16="http://schemas.microsoft.com/office/drawing/2014/chart" uri="{C3380CC4-5D6E-409C-BE32-E72D297353CC}">
+                <c16:uniqueId val="{00000005-2174-45DA-9B69-A975BBD58AAA}"/>
+              </c:ext>
+            </c:extLst>
           </c:dPt>
           <c:dPt>
             <c:idx val="3"/>
@@ -397,6 +412,11 @@
                 </a:outerShdw>
               </a:effectLst>
             </c:spPr>
+            <c:extLst>
+              <c:ext xmlns:c16="http://schemas.microsoft.com/office/drawing/2014/chart" uri="{C3380CC4-5D6E-409C-BE32-E72D297353CC}">
+                <c16:uniqueId val="{00000007-2174-45DA-9B69-A975BBD58AAA}"/>
+              </c:ext>
+            </c:extLst>
           </c:dPt>
           <c:dPt>
             <c:idx val="4"/>
@@ -439,6 +459,11 @@
                 </a:outerShdw>
               </a:effectLst>
             </c:spPr>
+            <c:extLst>
+              <c:ext xmlns:c16="http://schemas.microsoft.com/office/drawing/2014/chart" uri="{C3380CC4-5D6E-409C-BE32-E72D297353CC}">
+                <c16:uniqueId val="{00000009-2174-45DA-9B69-A975BBD58AAA}"/>
+              </c:ext>
+            </c:extLst>
           </c:dPt>
           <c:dPt>
             <c:idx val="5"/>
@@ -481,6 +506,11 @@
                 </a:outerShdw>
               </a:effectLst>
             </c:spPr>
+            <c:extLst>
+              <c:ext xmlns:c16="http://schemas.microsoft.com/office/drawing/2014/chart" uri="{C3380CC4-5D6E-409C-BE32-E72D297353CC}">
+                <c16:uniqueId val="{0000000B-2174-45DA-9B69-A975BBD58AAA}"/>
+              </c:ext>
+            </c:extLst>
           </c:dPt>
           <c:dPt>
             <c:idx val="6"/>
@@ -526,6 +556,11 @@
                 </a:outerShdw>
               </a:effectLst>
             </c:spPr>
+            <c:extLst>
+              <c:ext xmlns:c16="http://schemas.microsoft.com/office/drawing/2014/chart" uri="{C3380CC4-5D6E-409C-BE32-E72D297353CC}">
+                <c16:uniqueId val="{0000000D-2174-45DA-9B69-A975BBD58AAA}"/>
+              </c:ext>
+            </c:extLst>
           </c:dPt>
           <c:dPt>
             <c:idx val="7"/>
@@ -571,6 +606,11 @@
                 </a:outerShdw>
               </a:effectLst>
             </c:spPr>
+            <c:extLst>
+              <c:ext xmlns:c16="http://schemas.microsoft.com/office/drawing/2014/chart" uri="{C3380CC4-5D6E-409C-BE32-E72D297353CC}">
+                <c16:uniqueId val="{0000000F-2174-45DA-9B69-A975BBD58AAA}"/>
+              </c:ext>
+            </c:extLst>
           </c:dPt>
           <c:dPt>
             <c:idx val="8"/>
@@ -616,6 +656,11 @@
                 </a:outerShdw>
               </a:effectLst>
             </c:spPr>
+            <c:extLst>
+              <c:ext xmlns:c16="http://schemas.microsoft.com/office/drawing/2014/chart" uri="{C3380CC4-5D6E-409C-BE32-E72D297353CC}">
+                <c16:uniqueId val="{00000011-2174-45DA-9B69-A975BBD58AAA}"/>
+              </c:ext>
+            </c:extLst>
           </c:dPt>
           <c:dPt>
             <c:idx val="9"/>
@@ -661,6 +706,11 @@
                 </a:outerShdw>
               </a:effectLst>
             </c:spPr>
+            <c:extLst>
+              <c:ext xmlns:c16="http://schemas.microsoft.com/office/drawing/2014/chart" uri="{C3380CC4-5D6E-409C-BE32-E72D297353CC}">
+                <c16:uniqueId val="{00000013-2174-45DA-9B69-A975BBD58AAA}"/>
+              </c:ext>
+            </c:extLst>
           </c:dPt>
           <c:dPt>
             <c:idx val="10"/>
@@ -706,6 +756,11 @@
                 </a:outerShdw>
               </a:effectLst>
             </c:spPr>
+            <c:extLst>
+              <c:ext xmlns:c16="http://schemas.microsoft.com/office/drawing/2014/chart" uri="{C3380CC4-5D6E-409C-BE32-E72D297353CC}">
+                <c16:uniqueId val="{00000015-2174-45DA-9B69-A975BBD58AAA}"/>
+              </c:ext>
+            </c:extLst>
           </c:dPt>
           <c:dPt>
             <c:idx val="11"/>
@@ -751,6 +806,11 @@
                 </a:outerShdw>
               </a:effectLst>
             </c:spPr>
+            <c:extLst>
+              <c:ext xmlns:c16="http://schemas.microsoft.com/office/drawing/2014/chart" uri="{C3380CC4-5D6E-409C-BE32-E72D297353CC}">
+                <c16:uniqueId val="{00000017-2174-45DA-9B69-A975BBD58AAA}"/>
+              </c:ext>
+            </c:extLst>
           </c:dPt>
           <c:dPt>
             <c:idx val="12"/>
@@ -799,6 +859,11 @@
                 </a:outerShdw>
               </a:effectLst>
             </c:spPr>
+            <c:extLst>
+              <c:ext xmlns:c16="http://schemas.microsoft.com/office/drawing/2014/chart" uri="{C3380CC4-5D6E-409C-BE32-E72D297353CC}">
+                <c16:uniqueId val="{00000019-2174-45DA-9B69-A975BBD58AAA}"/>
+              </c:ext>
+            </c:extLst>
           </c:dPt>
           <c:dPt>
             <c:idx val="13"/>
@@ -847,6 +912,11 @@
                 </a:outerShdw>
               </a:effectLst>
             </c:spPr>
+            <c:extLst>
+              <c:ext xmlns:c16="http://schemas.microsoft.com/office/drawing/2014/chart" uri="{C3380CC4-5D6E-409C-BE32-E72D297353CC}">
+                <c16:uniqueId val="{0000001B-2174-45DA-9B69-A975BBD58AAA}"/>
+              </c:ext>
+            </c:extLst>
           </c:dPt>
           <c:dPt>
             <c:idx val="14"/>
@@ -895,6 +965,11 @@
                 </a:outerShdw>
               </a:effectLst>
             </c:spPr>
+            <c:extLst>
+              <c:ext xmlns:c16="http://schemas.microsoft.com/office/drawing/2014/chart" uri="{C3380CC4-5D6E-409C-BE32-E72D297353CC}">
+                <c16:uniqueId val="{0000001D-2174-45DA-9B69-A975BBD58AAA}"/>
+              </c:ext>
+            </c:extLst>
           </c:dPt>
           <c:dPt>
             <c:idx val="15"/>
@@ -943,6 +1018,11 @@
                 </a:outerShdw>
               </a:effectLst>
             </c:spPr>
+            <c:extLst>
+              <c:ext xmlns:c16="http://schemas.microsoft.com/office/drawing/2014/chart" uri="{C3380CC4-5D6E-409C-BE32-E72D297353CC}">
+                <c16:uniqueId val="{0000001F-2174-45DA-9B69-A975BBD58AAA}"/>
+              </c:ext>
+            </c:extLst>
           </c:dPt>
           <c:dPt>
             <c:idx val="16"/>
@@ -991,6 +1071,11 @@
                 </a:outerShdw>
               </a:effectLst>
             </c:spPr>
+            <c:extLst>
+              <c:ext xmlns:c16="http://schemas.microsoft.com/office/drawing/2014/chart" uri="{C3380CC4-5D6E-409C-BE32-E72D297353CC}">
+                <c16:uniqueId val="{00000021-2174-45DA-9B69-A975BBD58AAA}"/>
+              </c:ext>
+            </c:extLst>
           </c:dPt>
           <c:dPt>
             <c:idx val="17"/>
@@ -1039,6 +1124,11 @@
                 </a:outerShdw>
               </a:effectLst>
             </c:spPr>
+            <c:extLst>
+              <c:ext xmlns:c16="http://schemas.microsoft.com/office/drawing/2014/chart" uri="{C3380CC4-5D6E-409C-BE32-E72D297353CC}">
+                <c16:uniqueId val="{00000023-2174-45DA-9B69-A975BBD58AAA}"/>
+              </c:ext>
+            </c:extLst>
           </c:dPt>
           <c:dPt>
             <c:idx val="18"/>
@@ -1084,6 +1174,11 @@
                 </a:outerShdw>
               </a:effectLst>
             </c:spPr>
+            <c:extLst>
+              <c:ext xmlns:c16="http://schemas.microsoft.com/office/drawing/2014/chart" uri="{C3380CC4-5D6E-409C-BE32-E72D297353CC}">
+                <c16:uniqueId val="{00000025-2174-45DA-9B69-A975BBD58AAA}"/>
+              </c:ext>
+            </c:extLst>
           </c:dPt>
           <c:dPt>
             <c:idx val="19"/>
@@ -1129,6 +1224,11 @@
                 </a:outerShdw>
               </a:effectLst>
             </c:spPr>
+            <c:extLst>
+              <c:ext xmlns:c16="http://schemas.microsoft.com/office/drawing/2014/chart" uri="{C3380CC4-5D6E-409C-BE32-E72D297353CC}">
+                <c16:uniqueId val="{00000027-2174-45DA-9B69-A975BBD58AAA}"/>
+              </c:ext>
+            </c:extLst>
           </c:dPt>
           <c:dPt>
             <c:idx val="20"/>
@@ -1174,6 +1274,11 @@
                 </a:outerShdw>
               </a:effectLst>
             </c:spPr>
+            <c:extLst>
+              <c:ext xmlns:c16="http://schemas.microsoft.com/office/drawing/2014/chart" uri="{C3380CC4-5D6E-409C-BE32-E72D297353CC}">
+                <c16:uniqueId val="{00000029-2174-45DA-9B69-A975BBD58AAA}"/>
+              </c:ext>
+            </c:extLst>
           </c:dPt>
           <c:dPt>
             <c:idx val="21"/>
@@ -1219,6 +1324,11 @@
                 </a:outerShdw>
               </a:effectLst>
             </c:spPr>
+            <c:extLst>
+              <c:ext xmlns:c16="http://schemas.microsoft.com/office/drawing/2014/chart" uri="{C3380CC4-5D6E-409C-BE32-E72D297353CC}">
+                <c16:uniqueId val="{0000002B-2174-45DA-9B69-A975BBD58AAA}"/>
+              </c:ext>
+            </c:extLst>
           </c:dPt>
           <c:dPt>
             <c:idx val="22"/>
@@ -1264,6 +1374,11 @@
                 </a:outerShdw>
               </a:effectLst>
             </c:spPr>
+            <c:extLst>
+              <c:ext xmlns:c16="http://schemas.microsoft.com/office/drawing/2014/chart" uri="{C3380CC4-5D6E-409C-BE32-E72D297353CC}">
+                <c16:uniqueId val="{0000002D-2174-45DA-9B69-A975BBD58AAA}"/>
+              </c:ext>
+            </c:extLst>
           </c:dPt>
           <c:dPt>
             <c:idx val="23"/>
@@ -1309,6 +1424,11 @@
                 </a:outerShdw>
               </a:effectLst>
             </c:spPr>
+            <c:extLst>
+              <c:ext xmlns:c16="http://schemas.microsoft.com/office/drawing/2014/chart" uri="{C3380CC4-5D6E-409C-BE32-E72D297353CC}">
+                <c16:uniqueId val="{0000002F-2174-45DA-9B69-A975BBD58AAA}"/>
+              </c:ext>
+            </c:extLst>
           </c:dPt>
           <c:dLbls>
             <c:spPr>
@@ -1366,14 +1486,7 @@
           </c:dLbls>
           <c:cat>
             <c:strRef>
-              <c:extLst>
-                <c:ext xmlns:c15="http://schemas.microsoft.com/office/drawing/2012/chart" uri="{02D57815-91ED-43cb-92C2-25804820EDAC}">
-                  <c15:fullRef>
-                    <c15:sqref>Sheet1!$A$2:$A$29</c15:sqref>
-                  </c15:fullRef>
-                </c:ext>
-              </c:extLst>
-              <c:f>Sheet1!$A$3:$A$26</c:f>
+              <c:f>Sheet1!$A$2:$A$29</c:f>
               <c:strCache>
                 <c:ptCount val="24"/>
                 <c:pt idx="0">
@@ -1449,18 +1562,12 @@
                   <c:v>Chocolate Cake</c:v>
                 </c:pt>
               </c:strCache>
+              <c:extLst/>
             </c:strRef>
           </c:cat>
           <c:val>
             <c:numRef>
-              <c:extLst>
-                <c:ext xmlns:c15="http://schemas.microsoft.com/office/drawing/2012/chart" uri="{02D57815-91ED-43cb-92C2-25804820EDAC}">
-                  <c15:fullRef>
-                    <c15:sqref>Sheet1!$B$2:$B$29</c15:sqref>
-                  </c15:fullRef>
-                </c:ext>
-              </c:extLst>
-              <c:f>Sheet1!$B$3:$B$26</c:f>
+              <c:f>Sheet1!$B$2:$B$29</c:f>
               <c:numCache>
                 <c:formatCode>_("$"* #,##0.00_);_("$"* \(#,##0.00\);_("$"* "-"??_);_(@_)</c:formatCode>
                 <c:ptCount val="24"/>
@@ -1537,12 +1644,10 @@
                   <c:v>8</c:v>
                 </c:pt>
               </c:numCache>
+              <c:extLst/>
             </c:numRef>
           </c:val>
           <c:extLst>
-            <c:ext xmlns:c15="http://schemas.microsoft.com/office/drawing/2012/chart" uri="{02D57815-91ED-43cb-92C2-25804820EDAC}">
-              <c15:categoryFilterExceptions/>
-            </c:ext>
             <c:ext xmlns:c16="http://schemas.microsoft.com/office/drawing/2014/chart" uri="{C3380CC4-5D6E-409C-BE32-E72D297353CC}">
               <c16:uniqueId val="{00000000-905F-425A-A152-7A9BCC2AD701}"/>
             </c:ext>
@@ -2120,7 +2225,7 @@
             <a:effectLst/>
           </c:spPr>
         </c:majorGridlines>
-        <c:numFmt formatCode="General" sourceLinked="1"/>
+        <c:numFmt formatCode="_(&quot;$&quot;* #,##0.00_);_(&quot;$&quot;* \(#,##0.00\);_(&quot;$&quot;* &quot;-&quot;??_);_(@_)" sourceLinked="1"/>
         <c:majorTickMark val="none"/>
         <c:minorTickMark val="none"/>
         <c:tickLblPos val="nextTo"/>
@@ -3482,7 +3587,7 @@
           <a:p>
             <a:fld id="{6D01B836-DCA1-414F-A63A-66F0A39DF23C}" type="datetimeFigureOut">
               <a:rPr lang="en-US" smtClean="0"/>
-              <a:t>1/6/2026</a:t>
+              <a:t>1/7/2026</a:t>
             </a:fld>
             <a:endParaRPr lang="en-US"/>
           </a:p>
@@ -3680,7 +3785,7 @@
           <a:p>
             <a:fld id="{6D01B836-DCA1-414F-A63A-66F0A39DF23C}" type="datetimeFigureOut">
               <a:rPr lang="en-US" smtClean="0"/>
-              <a:t>1/6/2026</a:t>
+              <a:t>1/7/2026</a:t>
             </a:fld>
             <a:endParaRPr lang="en-US"/>
           </a:p>
@@ -3888,7 +3993,7 @@
           <a:p>
             <a:fld id="{6D01B836-DCA1-414F-A63A-66F0A39DF23C}" type="datetimeFigureOut">
               <a:rPr lang="en-US" smtClean="0"/>
-              <a:t>1/6/2026</a:t>
+              <a:t>1/7/2026</a:t>
             </a:fld>
             <a:endParaRPr lang="en-US"/>
           </a:p>
@@ -4086,7 +4191,7 @@
           <a:p>
             <a:fld id="{6D01B836-DCA1-414F-A63A-66F0A39DF23C}" type="datetimeFigureOut">
               <a:rPr lang="en-US" smtClean="0"/>
-              <a:t>1/6/2026</a:t>
+              <a:t>1/7/2026</a:t>
             </a:fld>
             <a:endParaRPr lang="en-US"/>
           </a:p>
@@ -4361,7 +4466,7 @@
           <a:p>
             <a:fld id="{6D01B836-DCA1-414F-A63A-66F0A39DF23C}" type="datetimeFigureOut">
               <a:rPr lang="en-US" smtClean="0"/>
-              <a:t>1/6/2026</a:t>
+              <a:t>1/7/2026</a:t>
             </a:fld>
             <a:endParaRPr lang="en-US"/>
           </a:p>
@@ -4626,7 +4731,7 @@
           <a:p>
             <a:fld id="{6D01B836-DCA1-414F-A63A-66F0A39DF23C}" type="datetimeFigureOut">
               <a:rPr lang="en-US" smtClean="0"/>
-              <a:t>1/6/2026</a:t>
+              <a:t>1/7/2026</a:t>
             </a:fld>
             <a:endParaRPr lang="en-US"/>
           </a:p>
@@ -5038,7 +5143,7 @@
           <a:p>
             <a:fld id="{6D01B836-DCA1-414F-A63A-66F0A39DF23C}" type="datetimeFigureOut">
               <a:rPr lang="en-US" smtClean="0"/>
-              <a:t>1/6/2026</a:t>
+              <a:t>1/7/2026</a:t>
             </a:fld>
             <a:endParaRPr lang="en-US"/>
           </a:p>
@@ -5179,7 +5284,7 @@
           <a:p>
             <a:fld id="{6D01B836-DCA1-414F-A63A-66F0A39DF23C}" type="datetimeFigureOut">
               <a:rPr lang="en-US" smtClean="0"/>
-              <a:t>1/6/2026</a:t>
+              <a:t>1/7/2026</a:t>
             </a:fld>
             <a:endParaRPr lang="en-US"/>
           </a:p>
@@ -5292,7 +5397,7 @@
           <a:p>
             <a:fld id="{6D01B836-DCA1-414F-A63A-66F0A39DF23C}" type="datetimeFigureOut">
               <a:rPr lang="en-US" smtClean="0"/>
-              <a:t>1/6/2026</a:t>
+              <a:t>1/7/2026</a:t>
             </a:fld>
             <a:endParaRPr lang="en-US"/>
           </a:p>
@@ -5603,7 +5708,7 @@
           <a:p>
             <a:fld id="{6D01B836-DCA1-414F-A63A-66F0A39DF23C}" type="datetimeFigureOut">
               <a:rPr lang="en-US" smtClean="0"/>
-              <a:t>1/6/2026</a:t>
+              <a:t>1/7/2026</a:t>
             </a:fld>
             <a:endParaRPr lang="en-US"/>
           </a:p>
@@ -5891,7 +5996,7 @@
           <a:p>
             <a:fld id="{6D01B836-DCA1-414F-A63A-66F0A39DF23C}" type="datetimeFigureOut">
               <a:rPr lang="en-US" smtClean="0"/>
-              <a:t>1/6/2026</a:t>
+              <a:t>1/7/2026</a:t>
             </a:fld>
             <a:endParaRPr lang="en-US"/>
           </a:p>
@@ -6135,7 +6240,7 @@
           <a:p>
             <a:fld id="{6D01B836-DCA1-414F-A63A-66F0A39DF23C}" type="datetimeFigureOut">
               <a:rPr lang="en-US" smtClean="0"/>
-              <a:t>1/6/2026</a:t>
+              <a:t>1/7/2026</a:t>
             </a:fld>
             <a:endParaRPr lang="en-US"/>
           </a:p>
@@ -12040,8 +12145,8 @@
         </p:nvSpPr>
         <p:spPr>
           <a:xfrm>
-            <a:off x="2236764" y="4468226"/>
-            <a:ext cx="4951827" cy="461665"/>
+            <a:off x="2262554" y="4341616"/>
+            <a:ext cx="7666892" cy="830997"/>
           </a:xfrm>
           <a:prstGeom prst="rect">
             <a:avLst/>
@@ -12062,7 +12167,28 @@
                 <a:latin typeface="Times New Roman" panose="02020603050405020304" pitchFamily="18" charset="0"/>
                 <a:cs typeface="Times New Roman" panose="02020603050405020304" pitchFamily="18" charset="0"/>
               </a:rPr>
-              <a:t>Live URL of our Website:</a:t>
+              <a:t>Live URL of our Website: </a:t>
+            </a:r>
+          </a:p>
+          <a:p>
+            <a:r>
+              <a:rPr lang="en-US" sz="2400" dirty="0">
+                <a:solidFill>
+                  <a:schemeClr val="bg1"/>
+                </a:solidFill>
+                <a:cs typeface="Times New Roman" panose="02020603050405020304" pitchFamily="18" charset="0"/>
+              </a:rPr>
+              <a:t>https://malimunir29.github.io/Group-08-Online-Restaurant</a:t>
+            </a:r>
+            <a:r>
+              <a:rPr lang="en-US" sz="2400" dirty="0">
+                <a:solidFill>
+                  <a:schemeClr val="bg1"/>
+                </a:solidFill>
+                <a:latin typeface="Times New Roman" panose="02020603050405020304" pitchFamily="18" charset="0"/>
+                <a:cs typeface="Times New Roman" panose="02020603050405020304" pitchFamily="18" charset="0"/>
+              </a:rPr>
+              <a:t>/</a:t>
             </a:r>
           </a:p>
         </p:txBody>
@@ -12480,6 +12606,109 @@
                                           <p:spTgt spid="4">
                                             <p:txEl>
                                               <p:pRg st="0" end="0"/>
+                                            </p:txEl>
+                                          </p:spTgt>
+                                        </p:tgtEl>
+                                        <p:attrNameLst>
+                                          <p:attrName>ppt_y</p:attrName>
+                                        </p:attrNameLst>
+                                      </p:cBhvr>
+                                      <p:tavLst>
+                                        <p:tav tm="0">
+                                          <p:val>
+                                            <p:strVal val="1+#ppt_h/2"/>
+                                          </p:val>
+                                        </p:tav>
+                                        <p:tav tm="100000">
+                                          <p:val>
+                                            <p:strVal val="#ppt_y"/>
+                                          </p:val>
+                                        </p:tav>
+                                      </p:tavLst>
+                                    </p:anim>
+                                  </p:childTnLst>
+                                </p:cTn>
+                              </p:par>
+                            </p:childTnLst>
+                          </p:cTn>
+                        </p:par>
+                      </p:childTnLst>
+                    </p:cTn>
+                  </p:par>
+                  <p:par>
+                    <p:cTn id="28" fill="hold">
+                      <p:stCondLst>
+                        <p:cond delay="indefinite"/>
+                      </p:stCondLst>
+                      <p:childTnLst>
+                        <p:par>
+                          <p:cTn id="29" fill="hold">
+                            <p:stCondLst>
+                              <p:cond delay="0"/>
+                            </p:stCondLst>
+                            <p:childTnLst>
+                              <p:par>
+                                <p:cTn id="30" presetID="2" presetClass="entr" presetSubtype="4" fill="hold" nodeType="clickEffect">
+                                  <p:stCondLst>
+                                    <p:cond delay="0"/>
+                                  </p:stCondLst>
+                                  <p:childTnLst>
+                                    <p:set>
+                                      <p:cBhvr>
+                                        <p:cTn id="31" dur="1" fill="hold">
+                                          <p:stCondLst>
+                                            <p:cond delay="0"/>
+                                          </p:stCondLst>
+                                        </p:cTn>
+                                        <p:tgtEl>
+                                          <p:spTgt spid="4">
+                                            <p:txEl>
+                                              <p:pRg st="1" end="1"/>
+                                            </p:txEl>
+                                          </p:spTgt>
+                                        </p:tgtEl>
+                                        <p:attrNameLst>
+                                          <p:attrName>style.visibility</p:attrName>
+                                        </p:attrNameLst>
+                                      </p:cBhvr>
+                                      <p:to>
+                                        <p:strVal val="visible"/>
+                                      </p:to>
+                                    </p:set>
+                                    <p:anim calcmode="lin" valueType="num">
+                                      <p:cBhvr additive="base">
+                                        <p:cTn id="32" dur="500" fill="hold"/>
+                                        <p:tgtEl>
+                                          <p:spTgt spid="4">
+                                            <p:txEl>
+                                              <p:pRg st="1" end="1"/>
+                                            </p:txEl>
+                                          </p:spTgt>
+                                        </p:tgtEl>
+                                        <p:attrNameLst>
+                                          <p:attrName>ppt_x</p:attrName>
+                                        </p:attrNameLst>
+                                      </p:cBhvr>
+                                      <p:tavLst>
+                                        <p:tav tm="0">
+                                          <p:val>
+                                            <p:strVal val="#ppt_x"/>
+                                          </p:val>
+                                        </p:tav>
+                                        <p:tav tm="100000">
+                                          <p:val>
+                                            <p:strVal val="#ppt_x"/>
+                                          </p:val>
+                                        </p:tav>
+                                      </p:tavLst>
+                                    </p:anim>
+                                    <p:anim calcmode="lin" valueType="num">
+                                      <p:cBhvr additive="base">
+                                        <p:cTn id="33" dur="500" fill="hold"/>
+                                        <p:tgtEl>
+                                          <p:spTgt spid="4">
+                                            <p:txEl>
+                                              <p:pRg st="1" end="1"/>
                                             </p:txEl>
                                           </p:spTgt>
                                         </p:tgtEl>
